--- a/設計図.pptx
+++ b/設計図.pptx
@@ -288,7 +288,7 @@
           <a:p>
             <a:fld id="{E90ED720-0104-4369-84BC-D37694168613}" type="datetimeFigureOut">
               <a:rPr kumimoji="1" lang="ja-JP" altLang="en-US" smtClean="0"/>
-              <a:t>2014/11/19</a:t>
+              <a:t>2014/11/20</a:t>
             </a:fld>
             <a:endParaRPr kumimoji="1" lang="ja-JP" altLang="en-US"/>
           </a:p>
@@ -485,7 +485,7 @@
           <a:p>
             <a:fld id="{E90ED720-0104-4369-84BC-D37694168613}" type="datetimeFigureOut">
               <a:rPr kumimoji="1" lang="ja-JP" altLang="en-US" smtClean="0"/>
-              <a:t>2014/11/19</a:t>
+              <a:t>2014/11/20</a:t>
             </a:fld>
             <a:endParaRPr kumimoji="1" lang="ja-JP" altLang="en-US"/>
           </a:p>
@@ -692,7 +692,7 @@
           <a:p>
             <a:fld id="{E90ED720-0104-4369-84BC-D37694168613}" type="datetimeFigureOut">
               <a:rPr kumimoji="1" lang="ja-JP" altLang="en-US" smtClean="0"/>
-              <a:t>2014/11/19</a:t>
+              <a:t>2014/11/20</a:t>
             </a:fld>
             <a:endParaRPr kumimoji="1" lang="ja-JP" altLang="en-US"/>
           </a:p>
@@ -889,7 +889,7 @@
           <a:p>
             <a:fld id="{E90ED720-0104-4369-84BC-D37694168613}" type="datetimeFigureOut">
               <a:rPr kumimoji="1" lang="ja-JP" altLang="en-US" smtClean="0"/>
-              <a:t>2014/11/19</a:t>
+              <a:t>2014/11/20</a:t>
             </a:fld>
             <a:endParaRPr kumimoji="1" lang="ja-JP" altLang="en-US"/>
           </a:p>
@@ -1130,7 +1130,7 @@
           <a:p>
             <a:fld id="{E90ED720-0104-4369-84BC-D37694168613}" type="datetimeFigureOut">
               <a:rPr kumimoji="1" lang="ja-JP" altLang="en-US" smtClean="0"/>
-              <a:t>2014/11/19</a:t>
+              <a:t>2014/11/20</a:t>
             </a:fld>
             <a:endParaRPr kumimoji="1" lang="ja-JP" altLang="en-US"/>
           </a:p>
@@ -1477,7 +1477,7 @@
           <a:p>
             <a:fld id="{E90ED720-0104-4369-84BC-D37694168613}" type="datetimeFigureOut">
               <a:rPr kumimoji="1" lang="ja-JP" altLang="en-US" smtClean="0"/>
-              <a:t>2014/11/19</a:t>
+              <a:t>2014/11/20</a:t>
             </a:fld>
             <a:endParaRPr kumimoji="1" lang="ja-JP" altLang="en-US"/>
           </a:p>
@@ -1958,7 +1958,7 @@
           <a:p>
             <a:fld id="{E90ED720-0104-4369-84BC-D37694168613}" type="datetimeFigureOut">
               <a:rPr kumimoji="1" lang="ja-JP" altLang="en-US" smtClean="0"/>
-              <a:t>2014/11/19</a:t>
+              <a:t>2014/11/20</a:t>
             </a:fld>
             <a:endParaRPr kumimoji="1" lang="ja-JP" altLang="en-US"/>
           </a:p>
@@ -2071,7 +2071,7 @@
           <a:p>
             <a:fld id="{E90ED720-0104-4369-84BC-D37694168613}" type="datetimeFigureOut">
               <a:rPr kumimoji="1" lang="ja-JP" altLang="en-US" smtClean="0"/>
-              <a:t>2014/11/19</a:t>
+              <a:t>2014/11/20</a:t>
             </a:fld>
             <a:endParaRPr kumimoji="1" lang="ja-JP" altLang="en-US"/>
           </a:p>
@@ -2161,7 +2161,7 @@
           <a:p>
             <a:fld id="{E90ED720-0104-4369-84BC-D37694168613}" type="datetimeFigureOut">
               <a:rPr kumimoji="1" lang="ja-JP" altLang="en-US" smtClean="0"/>
-              <a:t>2014/11/19</a:t>
+              <a:t>2014/11/20</a:t>
             </a:fld>
             <a:endParaRPr kumimoji="1" lang="ja-JP" altLang="en-US"/>
           </a:p>
@@ -2465,7 +2465,7 @@
           <a:p>
             <a:fld id="{E90ED720-0104-4369-84BC-D37694168613}" type="datetimeFigureOut">
               <a:rPr kumimoji="1" lang="ja-JP" altLang="en-US" smtClean="0"/>
-              <a:t>2014/11/19</a:t>
+              <a:t>2014/11/20</a:t>
             </a:fld>
             <a:endParaRPr kumimoji="1" lang="ja-JP" altLang="en-US"/>
           </a:p>
@@ -2713,7 +2713,7 @@
           <a:p>
             <a:fld id="{E90ED720-0104-4369-84BC-D37694168613}" type="datetimeFigureOut">
               <a:rPr kumimoji="1" lang="ja-JP" altLang="en-US" smtClean="0"/>
-              <a:t>2014/11/19</a:t>
+              <a:t>2014/11/20</a:t>
             </a:fld>
             <a:endParaRPr kumimoji="1" lang="ja-JP" altLang="en-US"/>
           </a:p>
@@ -2953,7 +2953,7 @@
           <a:p>
             <a:fld id="{E90ED720-0104-4369-84BC-D37694168613}" type="datetimeFigureOut">
               <a:rPr kumimoji="1" lang="ja-JP" altLang="en-US" smtClean="0"/>
-              <a:t>2014/11/19</a:t>
+              <a:t>2014/11/20</a:t>
             </a:fld>
             <a:endParaRPr kumimoji="1" lang="ja-JP" altLang="en-US"/>
           </a:p>
@@ -3331,7 +3331,7 @@
         </p:nvSpPr>
         <p:spPr>
           <a:xfrm>
-            <a:off x="5076056" y="3968438"/>
+            <a:off x="5076056" y="4832535"/>
             <a:ext cx="2304256" cy="1260761"/>
           </a:xfrm>
           <a:prstGeom prst="rect">
@@ -3400,7 +3400,7 @@
         </p:nvSpPr>
         <p:spPr>
           <a:xfrm>
-            <a:off x="899592" y="3968438"/>
+            <a:off x="899592" y="4832535"/>
             <a:ext cx="3054432" cy="1692809"/>
           </a:xfrm>
           <a:prstGeom prst="rect">
@@ -3544,8 +3544,8 @@
         </p:nvSpPr>
         <p:spPr>
           <a:xfrm>
-            <a:off x="2426808" y="2060848"/>
-            <a:ext cx="4161416" cy="1151507"/>
+            <a:off x="2426808" y="2924945"/>
+            <a:ext cx="4161416" cy="1529548"/>
           </a:xfrm>
           <a:prstGeom prst="rect">
             <a:avLst/>
@@ -3580,15 +3580,7 @@
                   <a:schemeClr val="tx1"/>
                 </a:solidFill>
               </a:rPr>
-              <a:t>データ</a:t>
-            </a:r>
-            <a:r>
-              <a:rPr lang="ja-JP" altLang="en-US" dirty="0" smtClean="0">
-                <a:solidFill>
-                  <a:schemeClr val="tx1"/>
-                </a:solidFill>
-              </a:rPr>
-              <a:t>クラス</a:t>
+              <a:t>データクラス</a:t>
             </a:r>
             <a:endParaRPr lang="en-US" altLang="ja-JP" dirty="0" smtClean="0">
               <a:solidFill>
@@ -3626,7 +3618,30 @@
                   <a:schemeClr val="tx1"/>
                 </a:solidFill>
               </a:rPr>
-              <a:t>●どの棒にどの円盤があるかどれだけあるか分かるデータ</a:t>
+              <a:t>●どの棒にどの円盤があるかどれだけあるか分かる</a:t>
+            </a:r>
+            <a:r>
+              <a:rPr lang="ja-JP" altLang="en-US" dirty="0" smtClean="0">
+                <a:solidFill>
+                  <a:schemeClr val="tx1"/>
+                </a:solidFill>
+              </a:rPr>
+              <a:t>データ</a:t>
+            </a:r>
+            <a:endParaRPr lang="en-US" altLang="ja-JP" dirty="0" smtClean="0">
+              <a:solidFill>
+                <a:schemeClr val="tx1"/>
+              </a:solidFill>
+            </a:endParaRPr>
+          </a:p>
+          <a:p>
+            <a:r>
+              <a:rPr lang="ja-JP" altLang="en-US" dirty="0" smtClean="0">
+                <a:solidFill>
+                  <a:schemeClr val="tx1"/>
+                </a:solidFill>
+              </a:rPr>
+              <a:t>●回数データ</a:t>
             </a:r>
             <a:endParaRPr lang="en-US" altLang="ja-JP" dirty="0" smtClean="0">
               <a:solidFill>
@@ -3646,8 +3661,8 @@
         </p:nvCxnSpPr>
         <p:spPr>
           <a:xfrm>
-            <a:off x="5076056" y="3212355"/>
-            <a:ext cx="1152128" cy="756083"/>
+            <a:off x="4640313" y="4454493"/>
+            <a:ext cx="1587871" cy="378042"/>
           </a:xfrm>
           <a:prstGeom prst="straightConnector1">
             <a:avLst/>
@@ -3675,14 +3690,15 @@
         <p:nvCxnSpPr>
           <p:cNvPr id="10" name="直線矢印コネクタ 9"/>
           <p:cNvCxnSpPr>
+            <a:stCxn id="7" idx="2"/>
             <a:endCxn id="6" idx="0"/>
           </p:cNvCxnSpPr>
           <p:nvPr/>
         </p:nvCxnSpPr>
         <p:spPr>
           <a:xfrm flipH="1">
-            <a:off x="2426808" y="3212355"/>
-            <a:ext cx="2259112" cy="756083"/>
+            <a:off x="2426808" y="4454493"/>
+            <a:ext cx="2080708" cy="378042"/>
           </a:xfrm>
           <a:prstGeom prst="straightConnector1">
             <a:avLst/>
@@ -3714,7 +3730,7 @@
         </p:nvSpPr>
         <p:spPr>
           <a:xfrm>
-            <a:off x="3275856" y="332656"/>
+            <a:off x="3275856" y="1196753"/>
             <a:ext cx="2592288" cy="1440160"/>
           </a:xfrm>
           <a:prstGeom prst="rect">
@@ -3847,7 +3863,7 @@
         </p:nvCxnSpPr>
         <p:spPr>
           <a:xfrm flipH="1">
-            <a:off x="4507516" y="1772816"/>
+            <a:off x="4507516" y="2636913"/>
             <a:ext cx="64484" cy="288032"/>
           </a:xfrm>
           <a:prstGeom prst="straightConnector1">
@@ -3883,7 +3899,7 @@
         </p:nvCxnSpPr>
         <p:spPr>
           <a:xfrm flipH="1">
-            <a:off x="3954024" y="4598819"/>
+            <a:off x="3954024" y="5462916"/>
             <a:ext cx="1122032" cy="216024"/>
           </a:xfrm>
           <a:prstGeom prst="straightConnector1">
@@ -3908,6 +3924,120 @@
           </a:fontRef>
         </p:style>
       </p:cxnSp>
+      <p:sp>
+        <p:nvSpPr>
+          <p:cNvPr id="2" name="円/楕円 1"/>
+          <p:cNvSpPr/>
+          <p:nvPr/>
+        </p:nvSpPr>
+        <p:spPr>
+          <a:xfrm>
+            <a:off x="3491880" y="0"/>
+            <a:ext cx="2232248" cy="548680"/>
+          </a:xfrm>
+          <a:prstGeom prst="ellipse">
+            <a:avLst/>
+          </a:prstGeom>
+        </p:spPr>
+        <p:style>
+          <a:lnRef idx="2">
+            <a:schemeClr val="accent1">
+              <a:shade val="50000"/>
+            </a:schemeClr>
+          </a:lnRef>
+          <a:fillRef idx="1">
+            <a:schemeClr val="accent1"/>
+          </a:fillRef>
+          <a:effectRef idx="0">
+            <a:schemeClr val="accent1"/>
+          </a:effectRef>
+          <a:fontRef idx="minor">
+            <a:schemeClr val="lt1"/>
+          </a:fontRef>
+        </p:style>
+        <p:txBody>
+          <a:bodyPr rtlCol="0" anchor="ctr"/>
+          <a:lstStyle/>
+          <a:p>
+            <a:pPr algn="ctr"/>
+            <a:r>
+              <a:rPr lang="ja-JP" altLang="en-US" dirty="0"/>
+              <a:t>ユーザー</a:t>
+            </a:r>
+            <a:endParaRPr kumimoji="1" lang="ja-JP" altLang="en-US" dirty="0"/>
+          </a:p>
+        </p:txBody>
+      </p:sp>
+      <p:cxnSp>
+        <p:nvCxnSpPr>
+          <p:cNvPr id="11" name="直線矢印コネクタ 10"/>
+          <p:cNvCxnSpPr>
+            <a:stCxn id="2" idx="4"/>
+            <a:endCxn id="12" idx="0"/>
+          </p:cNvCxnSpPr>
+          <p:nvPr/>
+        </p:nvCxnSpPr>
+        <p:spPr>
+          <a:xfrm flipH="1">
+            <a:off x="4572000" y="548680"/>
+            <a:ext cx="36004" cy="648073"/>
+          </a:xfrm>
+          <a:prstGeom prst="straightConnector1">
+            <a:avLst/>
+          </a:prstGeom>
+          <a:ln>
+            <a:tailEnd type="arrow"/>
+          </a:ln>
+        </p:spPr>
+        <p:style>
+          <a:lnRef idx="1">
+            <a:schemeClr val="accent1"/>
+          </a:lnRef>
+          <a:fillRef idx="0">
+            <a:schemeClr val="accent1"/>
+          </a:fillRef>
+          <a:effectRef idx="0">
+            <a:schemeClr val="accent1"/>
+          </a:effectRef>
+          <a:fontRef idx="minor">
+            <a:schemeClr val="tx1"/>
+          </a:fontRef>
+        </p:style>
+      </p:cxnSp>
+      <p:sp>
+        <p:nvSpPr>
+          <p:cNvPr id="8" name="テキスト ボックス 7"/>
+          <p:cNvSpPr txBox="1"/>
+          <p:nvPr/>
+        </p:nvSpPr>
+        <p:spPr>
+          <a:xfrm>
+            <a:off x="4640313" y="674189"/>
+            <a:ext cx="1129027" cy="369332"/>
+          </a:xfrm>
+          <a:prstGeom prst="rect">
+            <a:avLst/>
+          </a:prstGeom>
+          <a:noFill/>
+        </p:spPr>
+        <p:txBody>
+          <a:bodyPr wrap="none" rtlCol="0">
+            <a:spAutoFit/>
+          </a:bodyPr>
+          <a:lstStyle/>
+          <a:p>
+            <a:r>
+              <a:rPr kumimoji="1" lang="en-US" altLang="ja-JP" dirty="0" smtClean="0"/>
+              <a:t>Enter</a:t>
+            </a:r>
+            <a:r>
+              <a:rPr kumimoji="1" lang="ja-JP" altLang="en-US" dirty="0" smtClean="0"/>
+              <a:t>キー</a:t>
+            </a:r>
+            <a:endParaRPr kumimoji="1" lang="ja-JP" altLang="en-US" dirty="0"/>
+          </a:p>
+        </p:txBody>
+      </p:sp>
     </p:spTree>
     <p:extLst>
       <p:ext uri="{BB962C8B-B14F-4D97-AF65-F5344CB8AC3E}">

--- a/設計図.pptx
+++ b/設計図.pptx
@@ -3331,7 +3331,7 @@
         </p:nvSpPr>
         <p:spPr>
           <a:xfrm>
-            <a:off x="5076056" y="4832535"/>
+            <a:off x="6588224" y="4352988"/>
             <a:ext cx="2304256" cy="1260761"/>
           </a:xfrm>
           <a:prstGeom prst="rect">
@@ -3400,7 +3400,7 @@
         </p:nvSpPr>
         <p:spPr>
           <a:xfrm>
-            <a:off x="899592" y="4832535"/>
+            <a:off x="107504" y="4453771"/>
             <a:ext cx="3054432" cy="1692809"/>
           </a:xfrm>
           <a:prstGeom prst="rect">
@@ -3536,133 +3536,19 @@
           </a:p>
         </p:txBody>
       </p:sp>
-      <p:sp>
-        <p:nvSpPr>
-          <p:cNvPr id="7" name="正方形/長方形 6"/>
-          <p:cNvSpPr/>
-          <p:nvPr/>
-        </p:nvSpPr>
-        <p:spPr>
-          <a:xfrm>
-            <a:off x="2426808" y="2924945"/>
-            <a:ext cx="4161416" cy="1529548"/>
-          </a:xfrm>
-          <a:prstGeom prst="rect">
-            <a:avLst/>
-          </a:prstGeom>
-          <a:solidFill>
-            <a:schemeClr val="bg1"/>
-          </a:solidFill>
-        </p:spPr>
-        <p:style>
-          <a:lnRef idx="2">
-            <a:schemeClr val="accent1">
-              <a:shade val="50000"/>
-            </a:schemeClr>
-          </a:lnRef>
-          <a:fillRef idx="1">
-            <a:schemeClr val="accent1"/>
-          </a:fillRef>
-          <a:effectRef idx="0">
-            <a:schemeClr val="accent1"/>
-          </a:effectRef>
-          <a:fontRef idx="minor">
-            <a:schemeClr val="lt1"/>
-          </a:fontRef>
-        </p:style>
-        <p:txBody>
-          <a:bodyPr rtlCol="0" anchor="t" anchorCtr="0"/>
-          <a:lstStyle/>
-          <a:p>
-            <a:r>
-              <a:rPr lang="ja-JP" altLang="en-US" dirty="0" smtClean="0">
-                <a:solidFill>
-                  <a:schemeClr val="tx1"/>
-                </a:solidFill>
-              </a:rPr>
-              <a:t>データクラス</a:t>
-            </a:r>
-            <a:endParaRPr lang="en-US" altLang="ja-JP" dirty="0" smtClean="0">
-              <a:solidFill>
-                <a:schemeClr val="tx1"/>
-              </a:solidFill>
-            </a:endParaRPr>
-          </a:p>
-          <a:p>
-            <a:r>
-              <a:rPr lang="ja-JP" altLang="en-US" dirty="0">
-                <a:solidFill>
-                  <a:schemeClr val="tx1"/>
-                </a:solidFill>
-              </a:rPr>
-              <a:t>●円盤の数</a:t>
-            </a:r>
-            <a:r>
-              <a:rPr lang="ja-JP" altLang="en-US" dirty="0" smtClean="0">
-                <a:solidFill>
-                  <a:schemeClr val="tx1"/>
-                </a:solidFill>
-              </a:rPr>
-              <a:t>データ</a:t>
-            </a:r>
-            <a:endParaRPr lang="en-US" altLang="ja-JP" dirty="0">
-              <a:solidFill>
-                <a:schemeClr val="tx1"/>
-              </a:solidFill>
-            </a:endParaRPr>
-          </a:p>
-          <a:p>
-            <a:r>
-              <a:rPr lang="ja-JP" altLang="en-US" dirty="0" smtClean="0">
-                <a:solidFill>
-                  <a:schemeClr val="tx1"/>
-                </a:solidFill>
-              </a:rPr>
-              <a:t>●どの棒にどの円盤があるかどれだけあるか分かる</a:t>
-            </a:r>
-            <a:r>
-              <a:rPr lang="ja-JP" altLang="en-US" dirty="0" smtClean="0">
-                <a:solidFill>
-                  <a:schemeClr val="tx1"/>
-                </a:solidFill>
-              </a:rPr>
-              <a:t>データ</a:t>
-            </a:r>
-            <a:endParaRPr lang="en-US" altLang="ja-JP" dirty="0" smtClean="0">
-              <a:solidFill>
-                <a:schemeClr val="tx1"/>
-              </a:solidFill>
-            </a:endParaRPr>
-          </a:p>
-          <a:p>
-            <a:r>
-              <a:rPr lang="ja-JP" altLang="en-US" dirty="0" smtClean="0">
-                <a:solidFill>
-                  <a:schemeClr val="tx1"/>
-                </a:solidFill>
-              </a:rPr>
-              <a:t>●回数データ</a:t>
-            </a:r>
-            <a:endParaRPr lang="en-US" altLang="ja-JP" dirty="0" smtClean="0">
-              <a:solidFill>
-                <a:schemeClr val="tx1"/>
-              </a:solidFill>
-            </a:endParaRPr>
-          </a:p>
-        </p:txBody>
-      </p:sp>
       <p:cxnSp>
         <p:nvCxnSpPr>
           <p:cNvPr id="9" name="直線矢印コネクタ 8"/>
           <p:cNvCxnSpPr>
+            <a:stCxn id="12" idx="3"/>
             <a:endCxn id="5" idx="0"/>
           </p:cNvCxnSpPr>
           <p:nvPr/>
         </p:nvCxnSpPr>
         <p:spPr>
-          <a:xfrm>
-            <a:off x="4640313" y="4454493"/>
-            <a:ext cx="1587871" cy="378042"/>
+          <a:xfrm flipH="1">
+            <a:off x="7740352" y="2418135"/>
+            <a:ext cx="504056" cy="1934853"/>
           </a:xfrm>
           <a:prstGeom prst="straightConnector1">
             <a:avLst/>
@@ -3690,15 +3576,15 @@
         <p:nvCxnSpPr>
           <p:cNvPr id="10" name="直線矢印コネクタ 9"/>
           <p:cNvCxnSpPr>
-            <a:stCxn id="7" idx="2"/>
+            <a:stCxn id="12" idx="1"/>
             <a:endCxn id="6" idx="0"/>
           </p:cNvCxnSpPr>
           <p:nvPr/>
         </p:nvCxnSpPr>
         <p:spPr>
-          <a:xfrm flipH="1">
-            <a:off x="2426808" y="4454493"/>
-            <a:ext cx="2080708" cy="378042"/>
+          <a:xfrm>
+            <a:off x="1187624" y="2418135"/>
+            <a:ext cx="447096" cy="2035636"/>
           </a:xfrm>
           <a:prstGeom prst="straightConnector1">
             <a:avLst/>
@@ -3730,8 +3616,8 @@
         </p:nvSpPr>
         <p:spPr>
           <a:xfrm>
-            <a:off x="3275856" y="1196753"/>
-            <a:ext cx="2592288" cy="1440160"/>
+            <a:off x="1187624" y="1196753"/>
+            <a:ext cx="7056784" cy="2442763"/>
           </a:xfrm>
           <a:prstGeom prst="rect">
             <a:avLst/>
@@ -3854,42 +3740,6 @@
       </p:sp>
       <p:cxnSp>
         <p:nvCxnSpPr>
-          <p:cNvPr id="13" name="直線矢印コネクタ 12"/>
-          <p:cNvCxnSpPr>
-            <a:stCxn id="12" idx="2"/>
-            <a:endCxn id="7" idx="0"/>
-          </p:cNvCxnSpPr>
-          <p:nvPr/>
-        </p:nvCxnSpPr>
-        <p:spPr>
-          <a:xfrm flipH="1">
-            <a:off x="4507516" y="2636913"/>
-            <a:ext cx="64484" cy="288032"/>
-          </a:xfrm>
-          <a:prstGeom prst="straightConnector1">
-            <a:avLst/>
-          </a:prstGeom>
-          <a:ln>
-            <a:tailEnd type="arrow"/>
-          </a:ln>
-        </p:spPr>
-        <p:style>
-          <a:lnRef idx="1">
-            <a:schemeClr val="accent1"/>
-          </a:lnRef>
-          <a:fillRef idx="0">
-            <a:schemeClr val="accent1"/>
-          </a:fillRef>
-          <a:effectRef idx="0">
-            <a:schemeClr val="accent1"/>
-          </a:effectRef>
-          <a:fontRef idx="minor">
-            <a:schemeClr val="tx1"/>
-          </a:fontRef>
-        </p:style>
-      </p:cxnSp>
-      <p:cxnSp>
-        <p:nvCxnSpPr>
           <p:cNvPr id="24" name="直線矢印コネクタ 23"/>
           <p:cNvCxnSpPr>
             <a:stCxn id="5" idx="1"/>
@@ -3899,8 +3749,8 @@
         </p:nvCxnSpPr>
         <p:spPr>
           <a:xfrm flipH="1">
-            <a:off x="3954024" y="5462916"/>
-            <a:ext cx="1122032" cy="216024"/>
+            <a:off x="3161936" y="4983369"/>
+            <a:ext cx="3426288" cy="316807"/>
           </a:xfrm>
           <a:prstGeom prst="straightConnector1">
             <a:avLst/>
@@ -3978,9 +3828,9 @@
           <p:nvPr/>
         </p:nvCxnSpPr>
         <p:spPr>
-          <a:xfrm flipH="1">
-            <a:off x="4572000" y="548680"/>
-            <a:ext cx="36004" cy="648073"/>
+          <a:xfrm>
+            <a:off x="4608004" y="548680"/>
+            <a:ext cx="108012" cy="648073"/>
           </a:xfrm>
           <a:prstGeom prst="straightConnector1">
             <a:avLst/>
@@ -4035,6 +3885,113 @@
               <a:t>キー</a:t>
             </a:r>
             <a:endParaRPr kumimoji="1" lang="ja-JP" altLang="en-US" dirty="0"/>
+          </a:p>
+        </p:txBody>
+      </p:sp>
+      <p:sp>
+        <p:nvSpPr>
+          <p:cNvPr id="7" name="正方形/長方形 6"/>
+          <p:cNvSpPr/>
+          <p:nvPr/>
+        </p:nvSpPr>
+        <p:spPr>
+          <a:xfrm>
+            <a:off x="3830964" y="1653361"/>
+            <a:ext cx="4161416" cy="1529548"/>
+          </a:xfrm>
+          <a:prstGeom prst="rect">
+            <a:avLst/>
+          </a:prstGeom>
+          <a:solidFill>
+            <a:schemeClr val="bg1"/>
+          </a:solidFill>
+        </p:spPr>
+        <p:style>
+          <a:lnRef idx="2">
+            <a:schemeClr val="accent1">
+              <a:shade val="50000"/>
+            </a:schemeClr>
+          </a:lnRef>
+          <a:fillRef idx="1">
+            <a:schemeClr val="accent1"/>
+          </a:fillRef>
+          <a:effectRef idx="0">
+            <a:schemeClr val="accent1"/>
+          </a:effectRef>
+          <a:fontRef idx="minor">
+            <a:schemeClr val="lt1"/>
+          </a:fontRef>
+        </p:style>
+        <p:txBody>
+          <a:bodyPr rtlCol="0" anchor="t" anchorCtr="0"/>
+          <a:lstStyle/>
+          <a:p>
+            <a:r>
+              <a:rPr lang="ja-JP" altLang="en-US" dirty="0" smtClean="0">
+                <a:solidFill>
+                  <a:schemeClr val="tx1"/>
+                </a:solidFill>
+              </a:rPr>
+              <a:t>データクラス</a:t>
+            </a:r>
+            <a:endParaRPr lang="en-US" altLang="ja-JP" dirty="0" smtClean="0">
+              <a:solidFill>
+                <a:schemeClr val="tx1"/>
+              </a:solidFill>
+            </a:endParaRPr>
+          </a:p>
+          <a:p>
+            <a:r>
+              <a:rPr lang="ja-JP" altLang="en-US" dirty="0">
+                <a:solidFill>
+                  <a:schemeClr val="tx1"/>
+                </a:solidFill>
+              </a:rPr>
+              <a:t>●円盤の数</a:t>
+            </a:r>
+            <a:r>
+              <a:rPr lang="ja-JP" altLang="en-US" dirty="0" smtClean="0">
+                <a:solidFill>
+                  <a:schemeClr val="tx1"/>
+                </a:solidFill>
+              </a:rPr>
+              <a:t>データ</a:t>
+            </a:r>
+            <a:endParaRPr lang="en-US" altLang="ja-JP" dirty="0">
+              <a:solidFill>
+                <a:schemeClr val="tx1"/>
+              </a:solidFill>
+            </a:endParaRPr>
+          </a:p>
+          <a:p>
+            <a:r>
+              <a:rPr lang="ja-JP" altLang="en-US" dirty="0" smtClean="0">
+                <a:solidFill>
+                  <a:schemeClr val="tx1"/>
+                </a:solidFill>
+              </a:rPr>
+              <a:t>●どの棒にどの円盤があるかどれだけあるか分かるデータ</a:t>
+            </a:r>
+            <a:endParaRPr lang="en-US" altLang="ja-JP" dirty="0" smtClean="0">
+              <a:solidFill>
+                <a:schemeClr val="tx1"/>
+              </a:solidFill>
+            </a:endParaRPr>
+          </a:p>
+          <a:p>
+            <a:r>
+              <a:rPr lang="ja-JP" altLang="en-US" dirty="0" smtClean="0">
+                <a:solidFill>
+                  <a:schemeClr val="tx1"/>
+                </a:solidFill>
+              </a:rPr>
+              <a:t>●回数データ</a:t>
+            </a:r>
+            <a:endParaRPr lang="en-US" altLang="ja-JP" dirty="0" smtClean="0">
+              <a:solidFill>
+                <a:schemeClr val="tx1"/>
+              </a:solidFill>
+            </a:endParaRPr>
           </a:p>
         </p:txBody>
       </p:sp>

--- a/設計図.pptx
+++ b/設計図.pptx
@@ -6,6 +6,7 @@
   </p:sldMasterIdLst>
   <p:sldIdLst>
     <p:sldId id="256" r:id="rId2"/>
+    <p:sldId id="257" r:id="rId3"/>
   </p:sldIdLst>
   <p:sldSz cx="9144000" cy="6858000" type="screen4x3"/>
   <p:notesSz cx="6858000" cy="9144000"/>
@@ -288,7 +289,7 @@
           <a:p>
             <a:fld id="{E90ED720-0104-4369-84BC-D37694168613}" type="datetimeFigureOut">
               <a:rPr kumimoji="1" lang="ja-JP" altLang="en-US" smtClean="0"/>
-              <a:t>2014/11/20</a:t>
+              <a:t>2014/11/21</a:t>
             </a:fld>
             <a:endParaRPr kumimoji="1" lang="ja-JP" altLang="en-US"/>
           </a:p>
@@ -485,7 +486,7 @@
           <a:p>
             <a:fld id="{E90ED720-0104-4369-84BC-D37694168613}" type="datetimeFigureOut">
               <a:rPr kumimoji="1" lang="ja-JP" altLang="en-US" smtClean="0"/>
-              <a:t>2014/11/20</a:t>
+              <a:t>2014/11/21</a:t>
             </a:fld>
             <a:endParaRPr kumimoji="1" lang="ja-JP" altLang="en-US"/>
           </a:p>
@@ -692,7 +693,7 @@
           <a:p>
             <a:fld id="{E90ED720-0104-4369-84BC-D37694168613}" type="datetimeFigureOut">
               <a:rPr kumimoji="1" lang="ja-JP" altLang="en-US" smtClean="0"/>
-              <a:t>2014/11/20</a:t>
+              <a:t>2014/11/21</a:t>
             </a:fld>
             <a:endParaRPr kumimoji="1" lang="ja-JP" altLang="en-US"/>
           </a:p>
@@ -889,7 +890,7 @@
           <a:p>
             <a:fld id="{E90ED720-0104-4369-84BC-D37694168613}" type="datetimeFigureOut">
               <a:rPr kumimoji="1" lang="ja-JP" altLang="en-US" smtClean="0"/>
-              <a:t>2014/11/20</a:t>
+              <a:t>2014/11/21</a:t>
             </a:fld>
             <a:endParaRPr kumimoji="1" lang="ja-JP" altLang="en-US"/>
           </a:p>
@@ -1130,7 +1131,7 @@
           <a:p>
             <a:fld id="{E90ED720-0104-4369-84BC-D37694168613}" type="datetimeFigureOut">
               <a:rPr kumimoji="1" lang="ja-JP" altLang="en-US" smtClean="0"/>
-              <a:t>2014/11/20</a:t>
+              <a:t>2014/11/21</a:t>
             </a:fld>
             <a:endParaRPr kumimoji="1" lang="ja-JP" altLang="en-US"/>
           </a:p>
@@ -1477,7 +1478,7 @@
           <a:p>
             <a:fld id="{E90ED720-0104-4369-84BC-D37694168613}" type="datetimeFigureOut">
               <a:rPr kumimoji="1" lang="ja-JP" altLang="en-US" smtClean="0"/>
-              <a:t>2014/11/20</a:t>
+              <a:t>2014/11/21</a:t>
             </a:fld>
             <a:endParaRPr kumimoji="1" lang="ja-JP" altLang="en-US"/>
           </a:p>
@@ -1958,7 +1959,7 @@
           <a:p>
             <a:fld id="{E90ED720-0104-4369-84BC-D37694168613}" type="datetimeFigureOut">
               <a:rPr kumimoji="1" lang="ja-JP" altLang="en-US" smtClean="0"/>
-              <a:t>2014/11/20</a:t>
+              <a:t>2014/11/21</a:t>
             </a:fld>
             <a:endParaRPr kumimoji="1" lang="ja-JP" altLang="en-US"/>
           </a:p>
@@ -2071,7 +2072,7 @@
           <a:p>
             <a:fld id="{E90ED720-0104-4369-84BC-D37694168613}" type="datetimeFigureOut">
               <a:rPr kumimoji="1" lang="ja-JP" altLang="en-US" smtClean="0"/>
-              <a:t>2014/11/20</a:t>
+              <a:t>2014/11/21</a:t>
             </a:fld>
             <a:endParaRPr kumimoji="1" lang="ja-JP" altLang="en-US"/>
           </a:p>
@@ -2161,7 +2162,7 @@
           <a:p>
             <a:fld id="{E90ED720-0104-4369-84BC-D37694168613}" type="datetimeFigureOut">
               <a:rPr kumimoji="1" lang="ja-JP" altLang="en-US" smtClean="0"/>
-              <a:t>2014/11/20</a:t>
+              <a:t>2014/11/21</a:t>
             </a:fld>
             <a:endParaRPr kumimoji="1" lang="ja-JP" altLang="en-US"/>
           </a:p>
@@ -2465,7 +2466,7 @@
           <a:p>
             <a:fld id="{E90ED720-0104-4369-84BC-D37694168613}" type="datetimeFigureOut">
               <a:rPr kumimoji="1" lang="ja-JP" altLang="en-US" smtClean="0"/>
-              <a:t>2014/11/20</a:t>
+              <a:t>2014/11/21</a:t>
             </a:fld>
             <a:endParaRPr kumimoji="1" lang="ja-JP" altLang="en-US"/>
           </a:p>
@@ -2713,7 +2714,7 @@
           <a:p>
             <a:fld id="{E90ED720-0104-4369-84BC-D37694168613}" type="datetimeFigureOut">
               <a:rPr kumimoji="1" lang="ja-JP" altLang="en-US" smtClean="0"/>
-              <a:t>2014/11/20</a:t>
+              <a:t>2014/11/21</a:t>
             </a:fld>
             <a:endParaRPr kumimoji="1" lang="ja-JP" altLang="en-US"/>
           </a:p>
@@ -2953,7 +2954,7 @@
           <a:p>
             <a:fld id="{E90ED720-0104-4369-84BC-D37694168613}" type="datetimeFigureOut">
               <a:rPr kumimoji="1" lang="ja-JP" altLang="en-US" smtClean="0"/>
-              <a:t>2014/11/20</a:t>
+              <a:t>2014/11/21</a:t>
             </a:fld>
             <a:endParaRPr kumimoji="1" lang="ja-JP" altLang="en-US"/>
           </a:p>
@@ -3999,6 +4000,627 @@
     <p:extLst>
       <p:ext uri="{BB962C8B-B14F-4D97-AF65-F5344CB8AC3E}">
         <p14:creationId xmlns:p14="http://schemas.microsoft.com/office/powerpoint/2010/main" val="1142570240"/>
+      </p:ext>
+    </p:extLst>
+  </p:cSld>
+  <p:clrMapOvr>
+    <a:masterClrMapping/>
+  </p:clrMapOvr>
+</p:sld>
+</file>
+
+<file path=ppt/slides/slide2.xml><?xml version="1.0" encoding="utf-8"?>
+<p:sld xmlns:a="http://schemas.openxmlformats.org/drawingml/2006/main" xmlns:r="http://schemas.openxmlformats.org/officeDocument/2006/relationships" xmlns:p="http://schemas.openxmlformats.org/presentationml/2006/main">
+  <p:cSld>
+    <p:spTree>
+      <p:nvGrpSpPr>
+        <p:cNvPr id="1" name=""/>
+        <p:cNvGrpSpPr/>
+        <p:nvPr/>
+      </p:nvGrpSpPr>
+      <p:grpSpPr>
+        <a:xfrm>
+          <a:off x="0" y="0"/>
+          <a:ext cx="0" cy="0"/>
+          <a:chOff x="0" y="0"/>
+          <a:chExt cx="0" cy="0"/>
+        </a:xfrm>
+      </p:grpSpPr>
+      <p:sp>
+        <p:nvSpPr>
+          <p:cNvPr id="4" name="正方形/長方形 3"/>
+          <p:cNvSpPr/>
+          <p:nvPr/>
+        </p:nvSpPr>
+        <p:spPr>
+          <a:xfrm>
+            <a:off x="1331640" y="4797152"/>
+            <a:ext cx="4161416" cy="1529548"/>
+          </a:xfrm>
+          <a:prstGeom prst="rect">
+            <a:avLst/>
+          </a:prstGeom>
+          <a:solidFill>
+            <a:schemeClr val="bg1"/>
+          </a:solidFill>
+        </p:spPr>
+        <p:style>
+          <a:lnRef idx="2">
+            <a:schemeClr val="accent1">
+              <a:shade val="50000"/>
+            </a:schemeClr>
+          </a:lnRef>
+          <a:fillRef idx="1">
+            <a:schemeClr val="accent1"/>
+          </a:fillRef>
+          <a:effectRef idx="0">
+            <a:schemeClr val="accent1"/>
+          </a:effectRef>
+          <a:fontRef idx="minor">
+            <a:schemeClr val="lt1"/>
+          </a:fontRef>
+        </p:style>
+        <p:txBody>
+          <a:bodyPr rtlCol="0" anchor="t" anchorCtr="0"/>
+          <a:lstStyle/>
+          <a:p>
+            <a:r>
+              <a:rPr lang="ja-JP" altLang="en-US" dirty="0" smtClean="0">
+                <a:solidFill>
+                  <a:schemeClr val="tx1"/>
+                </a:solidFill>
+              </a:rPr>
+              <a:t>データクラス</a:t>
+            </a:r>
+            <a:endParaRPr lang="en-US" altLang="ja-JP" dirty="0" smtClean="0">
+              <a:solidFill>
+                <a:schemeClr val="tx1"/>
+              </a:solidFill>
+            </a:endParaRPr>
+          </a:p>
+          <a:p>
+            <a:r>
+              <a:rPr lang="ja-JP" altLang="en-US" dirty="0">
+                <a:solidFill>
+                  <a:schemeClr val="tx1"/>
+                </a:solidFill>
+              </a:rPr>
+              <a:t>●円盤の数</a:t>
+            </a:r>
+            <a:r>
+              <a:rPr lang="ja-JP" altLang="en-US" dirty="0" smtClean="0">
+                <a:solidFill>
+                  <a:schemeClr val="tx1"/>
+                </a:solidFill>
+              </a:rPr>
+              <a:t>データ</a:t>
+            </a:r>
+            <a:endParaRPr lang="en-US" altLang="ja-JP" dirty="0">
+              <a:solidFill>
+                <a:schemeClr val="tx1"/>
+              </a:solidFill>
+            </a:endParaRPr>
+          </a:p>
+          <a:p>
+            <a:r>
+              <a:rPr lang="ja-JP" altLang="en-US" dirty="0" smtClean="0">
+                <a:solidFill>
+                  <a:schemeClr val="tx1"/>
+                </a:solidFill>
+              </a:rPr>
+              <a:t>●どの棒にどの円盤があるかどれだけあるか分かるデータ</a:t>
+            </a:r>
+            <a:endParaRPr lang="en-US" altLang="ja-JP" dirty="0" smtClean="0">
+              <a:solidFill>
+                <a:schemeClr val="tx1"/>
+              </a:solidFill>
+            </a:endParaRPr>
+          </a:p>
+          <a:p>
+            <a:r>
+              <a:rPr lang="ja-JP" altLang="en-US" dirty="0" smtClean="0">
+                <a:solidFill>
+                  <a:schemeClr val="tx1"/>
+                </a:solidFill>
+              </a:rPr>
+              <a:t>●回数データ</a:t>
+            </a:r>
+            <a:endParaRPr lang="en-US" altLang="ja-JP" dirty="0" smtClean="0">
+              <a:solidFill>
+                <a:schemeClr val="tx1"/>
+              </a:solidFill>
+            </a:endParaRPr>
+          </a:p>
+        </p:txBody>
+      </p:sp>
+      <p:sp>
+        <p:nvSpPr>
+          <p:cNvPr id="5" name="正方形/長方形 4"/>
+          <p:cNvSpPr/>
+          <p:nvPr/>
+        </p:nvSpPr>
+        <p:spPr>
+          <a:xfrm>
+            <a:off x="755576" y="495381"/>
+            <a:ext cx="4968552" cy="1692809"/>
+          </a:xfrm>
+          <a:prstGeom prst="rect">
+            <a:avLst/>
+          </a:prstGeom>
+          <a:solidFill>
+            <a:schemeClr val="bg1"/>
+          </a:solidFill>
+        </p:spPr>
+        <p:style>
+          <a:lnRef idx="2">
+            <a:schemeClr val="accent1">
+              <a:shade val="50000"/>
+            </a:schemeClr>
+          </a:lnRef>
+          <a:fillRef idx="1">
+            <a:schemeClr val="accent1"/>
+          </a:fillRef>
+          <a:effectRef idx="0">
+            <a:schemeClr val="accent1"/>
+          </a:effectRef>
+          <a:fontRef idx="minor">
+            <a:schemeClr val="lt1"/>
+          </a:fontRef>
+        </p:style>
+        <p:txBody>
+          <a:bodyPr rtlCol="0" anchor="t" anchorCtr="0"/>
+          <a:lstStyle/>
+          <a:p>
+            <a:r>
+              <a:rPr kumimoji="1" lang="ja-JP" altLang="en-US" dirty="0" smtClean="0">
+                <a:solidFill>
+                  <a:schemeClr val="tx1"/>
+                </a:solidFill>
+              </a:rPr>
+              <a:t>＜</a:t>
+            </a:r>
+            <a:r>
+              <a:rPr lang="ja-JP" altLang="en-US" dirty="0" smtClean="0">
+                <a:solidFill>
+                  <a:schemeClr val="tx1"/>
+                </a:solidFill>
+              </a:rPr>
+              <a:t>棒・円盤</a:t>
+            </a:r>
+            <a:r>
+              <a:rPr kumimoji="1" lang="ja-JP" altLang="en-US" dirty="0" smtClean="0">
+                <a:solidFill>
+                  <a:schemeClr val="tx1"/>
+                </a:solidFill>
+              </a:rPr>
+              <a:t>クラス</a:t>
+            </a:r>
+            <a:r>
+              <a:rPr kumimoji="1" lang="ja-JP" altLang="en-US" dirty="0" smtClean="0">
+                <a:solidFill>
+                  <a:schemeClr val="tx1"/>
+                </a:solidFill>
+              </a:rPr>
+              <a:t>＞</a:t>
+            </a:r>
+            <a:endParaRPr kumimoji="1" lang="en-US" altLang="ja-JP" dirty="0" smtClean="0">
+              <a:solidFill>
+                <a:schemeClr val="tx1"/>
+              </a:solidFill>
+            </a:endParaRPr>
+          </a:p>
+          <a:p>
+            <a:r>
+              <a:rPr kumimoji="1" lang="ja-JP" altLang="en-US" dirty="0" smtClean="0">
+                <a:solidFill>
+                  <a:schemeClr val="tx1"/>
+                </a:solidFill>
+              </a:rPr>
+              <a:t>　■何の円盤があるか確認するメソッド</a:t>
+            </a:r>
+            <a:r>
+              <a:rPr kumimoji="1" lang="en-US" altLang="ja-JP" dirty="0" smtClean="0">
+                <a:solidFill>
+                  <a:schemeClr val="tx1"/>
+                </a:solidFill>
+              </a:rPr>
+              <a:t>()</a:t>
+            </a:r>
+          </a:p>
+          <a:p>
+            <a:r>
+              <a:rPr lang="ja-JP" altLang="en-US" dirty="0" smtClean="0">
+                <a:solidFill>
+                  <a:schemeClr val="tx1"/>
+                </a:solidFill>
+              </a:rPr>
+              <a:t>　■描画メソッド</a:t>
+            </a:r>
+            <a:r>
+              <a:rPr lang="en-US" altLang="ja-JP" dirty="0" smtClean="0">
+                <a:solidFill>
+                  <a:schemeClr val="tx1"/>
+                </a:solidFill>
+              </a:rPr>
+              <a:t>()</a:t>
+            </a:r>
+          </a:p>
+          <a:p>
+            <a:r>
+              <a:rPr lang="ja-JP" altLang="en-US" dirty="0">
+                <a:solidFill>
+                  <a:schemeClr val="tx1"/>
+                </a:solidFill>
+              </a:rPr>
+              <a:t>　</a:t>
+            </a:r>
+            <a:r>
+              <a:rPr lang="ja-JP" altLang="en-US" dirty="0" smtClean="0">
+                <a:solidFill>
+                  <a:schemeClr val="tx1"/>
+                </a:solidFill>
+              </a:rPr>
+              <a:t>●棒タイプデータ（</a:t>
+            </a:r>
+            <a:r>
+              <a:rPr lang="en-US" altLang="ja-JP" dirty="0" smtClean="0">
+                <a:solidFill>
+                  <a:schemeClr val="tx1"/>
+                </a:solidFill>
+              </a:rPr>
+              <a:t>A,B,C</a:t>
+            </a:r>
+            <a:r>
+              <a:rPr lang="ja-JP" altLang="en-US" dirty="0" smtClean="0">
+                <a:solidFill>
+                  <a:schemeClr val="tx1"/>
+                </a:solidFill>
+              </a:rPr>
+              <a:t>）</a:t>
+            </a:r>
+            <a:endParaRPr lang="en-US" altLang="ja-JP" dirty="0">
+              <a:solidFill>
+                <a:schemeClr val="tx1"/>
+              </a:solidFill>
+            </a:endParaRPr>
+          </a:p>
+          <a:p>
+            <a:r>
+              <a:rPr lang="ja-JP" altLang="en-US" dirty="0" smtClean="0">
+                <a:solidFill>
+                  <a:schemeClr val="tx1"/>
+                </a:solidFill>
+              </a:rPr>
+              <a:t>　●</a:t>
+            </a:r>
+            <a:endParaRPr lang="en-US" altLang="ja-JP" dirty="0" smtClean="0">
+              <a:solidFill>
+                <a:schemeClr val="tx1"/>
+              </a:solidFill>
+            </a:endParaRPr>
+          </a:p>
+        </p:txBody>
+      </p:sp>
+      <p:sp>
+        <p:nvSpPr>
+          <p:cNvPr id="6" name="正方形/長方形 5"/>
+          <p:cNvSpPr/>
+          <p:nvPr/>
+        </p:nvSpPr>
+        <p:spPr>
+          <a:xfrm>
+            <a:off x="5220072" y="2564904"/>
+            <a:ext cx="3024336" cy="1584175"/>
+          </a:xfrm>
+          <a:prstGeom prst="rect">
+            <a:avLst/>
+          </a:prstGeom>
+          <a:solidFill>
+            <a:schemeClr val="bg1"/>
+          </a:solidFill>
+        </p:spPr>
+        <p:style>
+          <a:lnRef idx="2">
+            <a:schemeClr val="accent1">
+              <a:shade val="50000"/>
+            </a:schemeClr>
+          </a:lnRef>
+          <a:fillRef idx="1">
+            <a:schemeClr val="accent1"/>
+          </a:fillRef>
+          <a:effectRef idx="0">
+            <a:schemeClr val="accent1"/>
+          </a:effectRef>
+          <a:fontRef idx="minor">
+            <a:schemeClr val="lt1"/>
+          </a:fontRef>
+        </p:style>
+        <p:txBody>
+          <a:bodyPr rtlCol="0" anchor="t" anchorCtr="0"/>
+          <a:lstStyle/>
+          <a:p>
+            <a:r>
+              <a:rPr lang="ja-JP" altLang="en-US" dirty="0" smtClean="0">
+                <a:solidFill>
+                  <a:schemeClr val="tx1"/>
+                </a:solidFill>
+              </a:rPr>
+              <a:t>アルゴリズムクラス</a:t>
+            </a:r>
+            <a:endParaRPr lang="en-US" altLang="ja-JP" dirty="0" smtClean="0">
+              <a:solidFill>
+                <a:schemeClr val="tx1"/>
+              </a:solidFill>
+            </a:endParaRPr>
+          </a:p>
+          <a:p>
+            <a:r>
+              <a:rPr lang="ja-JP" altLang="en-US" dirty="0" smtClean="0">
+                <a:solidFill>
+                  <a:schemeClr val="tx1"/>
+                </a:solidFill>
+              </a:rPr>
+              <a:t>■ハノイの塔の常套操作</a:t>
+            </a:r>
+            <a:endParaRPr lang="en-US" altLang="ja-JP" dirty="0" smtClean="0">
+              <a:solidFill>
+                <a:schemeClr val="tx1"/>
+              </a:solidFill>
+            </a:endParaRPr>
+          </a:p>
+          <a:p>
+            <a:r>
+              <a:rPr lang="ja-JP" altLang="en-US" dirty="0" smtClean="0">
+                <a:solidFill>
+                  <a:schemeClr val="tx1"/>
+                </a:solidFill>
+              </a:rPr>
+              <a:t>■</a:t>
+            </a:r>
+            <a:r>
+              <a:rPr lang="ja-JP" altLang="en-US" dirty="0">
+                <a:solidFill>
+                  <a:schemeClr val="tx1"/>
+                </a:solidFill>
+              </a:rPr>
+              <a:t>円盤生成メソッド</a:t>
+            </a:r>
+            <a:endParaRPr lang="en-US" altLang="ja-JP" dirty="0">
+              <a:solidFill>
+                <a:schemeClr val="tx1"/>
+              </a:solidFill>
+            </a:endParaRPr>
+          </a:p>
+          <a:p>
+            <a:r>
+              <a:rPr lang="ja-JP" altLang="en-US" dirty="0">
+                <a:solidFill>
+                  <a:schemeClr val="tx1"/>
+                </a:solidFill>
+              </a:rPr>
+              <a:t>■棒生成メソッド</a:t>
+            </a:r>
+            <a:endParaRPr lang="en-US" altLang="ja-JP" dirty="0">
+              <a:solidFill>
+                <a:schemeClr val="tx1"/>
+              </a:solidFill>
+            </a:endParaRPr>
+          </a:p>
+          <a:p>
+            <a:r>
+              <a:rPr lang="ja-JP" altLang="en-US" dirty="0">
+                <a:solidFill>
+                  <a:schemeClr val="tx1"/>
+                </a:solidFill>
+              </a:rPr>
+              <a:t>■円盤移動</a:t>
+            </a:r>
+            <a:r>
+              <a:rPr lang="ja-JP" altLang="en-US" dirty="0" smtClean="0">
+                <a:solidFill>
+                  <a:schemeClr val="tx1"/>
+                </a:solidFill>
+              </a:rPr>
+              <a:t>メソッド</a:t>
+            </a:r>
+            <a:endParaRPr lang="en-US" altLang="ja-JP" dirty="0">
+              <a:solidFill>
+                <a:schemeClr val="tx1"/>
+              </a:solidFill>
+            </a:endParaRPr>
+          </a:p>
+        </p:txBody>
+      </p:sp>
+      <p:sp>
+        <p:nvSpPr>
+          <p:cNvPr id="7" name="円/楕円 6"/>
+          <p:cNvSpPr/>
+          <p:nvPr/>
+        </p:nvSpPr>
+        <p:spPr>
+          <a:xfrm>
+            <a:off x="6159871" y="1372030"/>
+            <a:ext cx="2232248" cy="548680"/>
+          </a:xfrm>
+          <a:prstGeom prst="ellipse">
+            <a:avLst/>
+          </a:prstGeom>
+        </p:spPr>
+        <p:style>
+          <a:lnRef idx="2">
+            <a:schemeClr val="accent1">
+              <a:shade val="50000"/>
+            </a:schemeClr>
+          </a:lnRef>
+          <a:fillRef idx="1">
+            <a:schemeClr val="accent1"/>
+          </a:fillRef>
+          <a:effectRef idx="0">
+            <a:schemeClr val="accent1"/>
+          </a:effectRef>
+          <a:fontRef idx="minor">
+            <a:schemeClr val="lt1"/>
+          </a:fontRef>
+        </p:style>
+        <p:txBody>
+          <a:bodyPr rtlCol="0" anchor="ctr"/>
+          <a:lstStyle/>
+          <a:p>
+            <a:pPr algn="ctr"/>
+            <a:r>
+              <a:rPr lang="ja-JP" altLang="en-US" dirty="0"/>
+              <a:t>ユーザー</a:t>
+            </a:r>
+            <a:endParaRPr kumimoji="1" lang="ja-JP" altLang="en-US" dirty="0"/>
+          </a:p>
+        </p:txBody>
+      </p:sp>
+      <p:cxnSp>
+        <p:nvCxnSpPr>
+          <p:cNvPr id="8" name="直線矢印コネクタ 7"/>
+          <p:cNvCxnSpPr>
+            <a:stCxn id="7" idx="4"/>
+            <a:endCxn id="6" idx="0"/>
+          </p:cNvCxnSpPr>
+          <p:nvPr/>
+        </p:nvCxnSpPr>
+        <p:spPr>
+          <a:xfrm flipH="1">
+            <a:off x="6732240" y="1920710"/>
+            <a:ext cx="543755" cy="644194"/>
+          </a:xfrm>
+          <a:prstGeom prst="straightConnector1">
+            <a:avLst/>
+          </a:prstGeom>
+          <a:ln>
+            <a:tailEnd type="arrow"/>
+          </a:ln>
+        </p:spPr>
+        <p:style>
+          <a:lnRef idx="1">
+            <a:schemeClr val="accent1"/>
+          </a:lnRef>
+          <a:fillRef idx="0">
+            <a:schemeClr val="accent1"/>
+          </a:fillRef>
+          <a:effectRef idx="0">
+            <a:schemeClr val="accent1"/>
+          </a:effectRef>
+          <a:fontRef idx="minor">
+            <a:schemeClr val="tx1"/>
+          </a:fontRef>
+        </p:style>
+      </p:cxnSp>
+      <p:sp>
+        <p:nvSpPr>
+          <p:cNvPr id="9" name="テキスト ボックス 8"/>
+          <p:cNvSpPr txBox="1"/>
+          <p:nvPr/>
+        </p:nvSpPr>
+        <p:spPr>
+          <a:xfrm>
+            <a:off x="7308304" y="2046219"/>
+            <a:ext cx="1129027" cy="369332"/>
+          </a:xfrm>
+          <a:prstGeom prst="rect">
+            <a:avLst/>
+          </a:prstGeom>
+          <a:noFill/>
+        </p:spPr>
+        <p:txBody>
+          <a:bodyPr wrap="none" rtlCol="0">
+            <a:spAutoFit/>
+          </a:bodyPr>
+          <a:lstStyle/>
+          <a:p>
+            <a:r>
+              <a:rPr kumimoji="1" lang="en-US" altLang="ja-JP" dirty="0" smtClean="0"/>
+              <a:t>Enter</a:t>
+            </a:r>
+            <a:r>
+              <a:rPr kumimoji="1" lang="ja-JP" altLang="en-US" dirty="0" smtClean="0"/>
+              <a:t>キー</a:t>
+            </a:r>
+            <a:endParaRPr kumimoji="1" lang="ja-JP" altLang="en-US" dirty="0"/>
+          </a:p>
+        </p:txBody>
+      </p:sp>
+      <p:cxnSp>
+        <p:nvCxnSpPr>
+          <p:cNvPr id="11" name="直線矢印コネクタ 10"/>
+          <p:cNvCxnSpPr>
+            <a:stCxn id="6" idx="2"/>
+            <a:endCxn id="4" idx="0"/>
+          </p:cNvCxnSpPr>
+          <p:nvPr/>
+        </p:nvCxnSpPr>
+        <p:spPr>
+          <a:xfrm flipH="1">
+            <a:off x="3412348" y="4149079"/>
+            <a:ext cx="3319892" cy="648073"/>
+          </a:xfrm>
+          <a:prstGeom prst="straightConnector1">
+            <a:avLst/>
+          </a:prstGeom>
+          <a:ln>
+            <a:tailEnd type="arrow"/>
+          </a:ln>
+        </p:spPr>
+        <p:style>
+          <a:lnRef idx="1">
+            <a:schemeClr val="accent1"/>
+          </a:lnRef>
+          <a:fillRef idx="0">
+            <a:schemeClr val="accent1"/>
+          </a:fillRef>
+          <a:effectRef idx="0">
+            <a:schemeClr val="accent1"/>
+          </a:effectRef>
+          <a:fontRef idx="minor">
+            <a:schemeClr val="tx1"/>
+          </a:fontRef>
+        </p:style>
+      </p:cxnSp>
+      <p:cxnSp>
+        <p:nvCxnSpPr>
+          <p:cNvPr id="14" name="直線矢印コネクタ 13"/>
+          <p:cNvCxnSpPr>
+            <a:stCxn id="4" idx="0"/>
+            <a:endCxn id="5" idx="2"/>
+          </p:cNvCxnSpPr>
+          <p:nvPr/>
+        </p:nvCxnSpPr>
+        <p:spPr>
+          <a:xfrm flipH="1" flipV="1">
+            <a:off x="3239852" y="2188190"/>
+            <a:ext cx="172496" cy="2608962"/>
+          </a:xfrm>
+          <a:prstGeom prst="straightConnector1">
+            <a:avLst/>
+          </a:prstGeom>
+          <a:ln>
+            <a:tailEnd type="arrow"/>
+          </a:ln>
+        </p:spPr>
+        <p:style>
+          <a:lnRef idx="1">
+            <a:schemeClr val="accent1"/>
+          </a:lnRef>
+          <a:fillRef idx="0">
+            <a:schemeClr val="accent1"/>
+          </a:fillRef>
+          <a:effectRef idx="0">
+            <a:schemeClr val="accent1"/>
+          </a:effectRef>
+          <a:fontRef idx="minor">
+            <a:schemeClr val="tx1"/>
+          </a:fontRef>
+        </p:style>
+      </p:cxnSp>
+    </p:spTree>
+    <p:extLst>
+      <p:ext uri="{BB962C8B-B14F-4D97-AF65-F5344CB8AC3E}">
+        <p14:creationId xmlns:p14="http://schemas.microsoft.com/office/powerpoint/2010/main" val="3242238800"/>
       </p:ext>
     </p:extLst>
   </p:cSld>

--- a/設計図.pptx
+++ b/設計図.pptx
@@ -7,6 +7,7 @@
   <p:sldIdLst>
     <p:sldId id="256" r:id="rId2"/>
     <p:sldId id="257" r:id="rId3"/>
+    <p:sldId id="258" r:id="rId4"/>
   </p:sldIdLst>
   <p:sldSz cx="9144000" cy="6858000" type="screen4x3"/>
   <p:notesSz cx="6858000" cy="9144000"/>
@@ -289,7 +290,7 @@
           <a:p>
             <a:fld id="{E90ED720-0104-4369-84BC-D37694168613}" type="datetimeFigureOut">
               <a:rPr kumimoji="1" lang="ja-JP" altLang="en-US" smtClean="0"/>
-              <a:t>2014/11/21</a:t>
+              <a:t>2014/11/22</a:t>
             </a:fld>
             <a:endParaRPr kumimoji="1" lang="ja-JP" altLang="en-US"/>
           </a:p>
@@ -486,7 +487,7 @@
           <a:p>
             <a:fld id="{E90ED720-0104-4369-84BC-D37694168613}" type="datetimeFigureOut">
               <a:rPr kumimoji="1" lang="ja-JP" altLang="en-US" smtClean="0"/>
-              <a:t>2014/11/21</a:t>
+              <a:t>2014/11/22</a:t>
             </a:fld>
             <a:endParaRPr kumimoji="1" lang="ja-JP" altLang="en-US"/>
           </a:p>
@@ -693,7 +694,7 @@
           <a:p>
             <a:fld id="{E90ED720-0104-4369-84BC-D37694168613}" type="datetimeFigureOut">
               <a:rPr kumimoji="1" lang="ja-JP" altLang="en-US" smtClean="0"/>
-              <a:t>2014/11/21</a:t>
+              <a:t>2014/11/22</a:t>
             </a:fld>
             <a:endParaRPr kumimoji="1" lang="ja-JP" altLang="en-US"/>
           </a:p>
@@ -890,7 +891,7 @@
           <a:p>
             <a:fld id="{E90ED720-0104-4369-84BC-D37694168613}" type="datetimeFigureOut">
               <a:rPr kumimoji="1" lang="ja-JP" altLang="en-US" smtClean="0"/>
-              <a:t>2014/11/21</a:t>
+              <a:t>2014/11/22</a:t>
             </a:fld>
             <a:endParaRPr kumimoji="1" lang="ja-JP" altLang="en-US"/>
           </a:p>
@@ -1131,7 +1132,7 @@
           <a:p>
             <a:fld id="{E90ED720-0104-4369-84BC-D37694168613}" type="datetimeFigureOut">
               <a:rPr kumimoji="1" lang="ja-JP" altLang="en-US" smtClean="0"/>
-              <a:t>2014/11/21</a:t>
+              <a:t>2014/11/22</a:t>
             </a:fld>
             <a:endParaRPr kumimoji="1" lang="ja-JP" altLang="en-US"/>
           </a:p>
@@ -1478,7 +1479,7 @@
           <a:p>
             <a:fld id="{E90ED720-0104-4369-84BC-D37694168613}" type="datetimeFigureOut">
               <a:rPr kumimoji="1" lang="ja-JP" altLang="en-US" smtClean="0"/>
-              <a:t>2014/11/21</a:t>
+              <a:t>2014/11/22</a:t>
             </a:fld>
             <a:endParaRPr kumimoji="1" lang="ja-JP" altLang="en-US"/>
           </a:p>
@@ -1959,7 +1960,7 @@
           <a:p>
             <a:fld id="{E90ED720-0104-4369-84BC-D37694168613}" type="datetimeFigureOut">
               <a:rPr kumimoji="1" lang="ja-JP" altLang="en-US" smtClean="0"/>
-              <a:t>2014/11/21</a:t>
+              <a:t>2014/11/22</a:t>
             </a:fld>
             <a:endParaRPr kumimoji="1" lang="ja-JP" altLang="en-US"/>
           </a:p>
@@ -2072,7 +2073,7 @@
           <a:p>
             <a:fld id="{E90ED720-0104-4369-84BC-D37694168613}" type="datetimeFigureOut">
               <a:rPr kumimoji="1" lang="ja-JP" altLang="en-US" smtClean="0"/>
-              <a:t>2014/11/21</a:t>
+              <a:t>2014/11/22</a:t>
             </a:fld>
             <a:endParaRPr kumimoji="1" lang="ja-JP" altLang="en-US"/>
           </a:p>
@@ -2162,7 +2163,7 @@
           <a:p>
             <a:fld id="{E90ED720-0104-4369-84BC-D37694168613}" type="datetimeFigureOut">
               <a:rPr kumimoji="1" lang="ja-JP" altLang="en-US" smtClean="0"/>
-              <a:t>2014/11/21</a:t>
+              <a:t>2014/11/22</a:t>
             </a:fld>
             <a:endParaRPr kumimoji="1" lang="ja-JP" altLang="en-US"/>
           </a:p>
@@ -2466,7 +2467,7 @@
           <a:p>
             <a:fld id="{E90ED720-0104-4369-84BC-D37694168613}" type="datetimeFigureOut">
               <a:rPr kumimoji="1" lang="ja-JP" altLang="en-US" smtClean="0"/>
-              <a:t>2014/11/21</a:t>
+              <a:t>2014/11/22</a:t>
             </a:fld>
             <a:endParaRPr kumimoji="1" lang="ja-JP" altLang="en-US"/>
           </a:p>
@@ -2714,7 +2715,7 @@
           <a:p>
             <a:fld id="{E90ED720-0104-4369-84BC-D37694168613}" type="datetimeFigureOut">
               <a:rPr kumimoji="1" lang="ja-JP" altLang="en-US" smtClean="0"/>
-              <a:t>2014/11/21</a:t>
+              <a:t>2014/11/22</a:t>
             </a:fld>
             <a:endParaRPr kumimoji="1" lang="ja-JP" altLang="en-US"/>
           </a:p>
@@ -2954,7 +2955,7 @@
           <a:p>
             <a:fld id="{E90ED720-0104-4369-84BC-D37694168613}" type="datetimeFigureOut">
               <a:rPr kumimoji="1" lang="ja-JP" altLang="en-US" smtClean="0"/>
-              <a:t>2014/11/21</a:t>
+              <a:t>2014/11/22</a:t>
             </a:fld>
             <a:endParaRPr kumimoji="1" lang="ja-JP" altLang="en-US"/>
           </a:p>
@@ -4193,15 +4194,7 @@
                   <a:schemeClr val="tx1"/>
                 </a:solidFill>
               </a:rPr>
-              <a:t>クラス</a:t>
-            </a:r>
-            <a:r>
-              <a:rPr kumimoji="1" lang="ja-JP" altLang="en-US" dirty="0" smtClean="0">
-                <a:solidFill>
-                  <a:schemeClr val="tx1"/>
-                </a:solidFill>
-              </a:rPr>
-              <a:t>＞</a:t>
+              <a:t>クラス＞</a:t>
             </a:r>
             <a:endParaRPr kumimoji="1" lang="en-US" altLang="ja-JP" dirty="0" smtClean="0">
               <a:solidFill>
@@ -4621,6 +4614,538 @@
     <p:extLst>
       <p:ext uri="{BB962C8B-B14F-4D97-AF65-F5344CB8AC3E}">
         <p14:creationId xmlns:p14="http://schemas.microsoft.com/office/powerpoint/2010/main" val="3242238800"/>
+      </p:ext>
+    </p:extLst>
+  </p:cSld>
+  <p:clrMapOvr>
+    <a:masterClrMapping/>
+  </p:clrMapOvr>
+</p:sld>
+</file>
+
+<file path=ppt/slides/slide3.xml><?xml version="1.0" encoding="utf-8"?>
+<p:sld xmlns:a="http://schemas.openxmlformats.org/drawingml/2006/main" xmlns:r="http://schemas.openxmlformats.org/officeDocument/2006/relationships" xmlns:p="http://schemas.openxmlformats.org/presentationml/2006/main">
+  <p:cSld>
+    <p:spTree>
+      <p:nvGrpSpPr>
+        <p:cNvPr id="1" name=""/>
+        <p:cNvGrpSpPr/>
+        <p:nvPr/>
+      </p:nvGrpSpPr>
+      <p:grpSpPr>
+        <a:xfrm>
+          <a:off x="0" y="0"/>
+          <a:ext cx="0" cy="0"/>
+          <a:chOff x="0" y="0"/>
+          <a:chExt cx="0" cy="0"/>
+        </a:xfrm>
+      </p:grpSpPr>
+      <p:sp>
+        <p:nvSpPr>
+          <p:cNvPr id="4" name="正方形/長方形 3"/>
+          <p:cNvSpPr/>
+          <p:nvPr/>
+        </p:nvSpPr>
+        <p:spPr>
+          <a:xfrm>
+            <a:off x="899592" y="548680"/>
+            <a:ext cx="4161416" cy="846404"/>
+          </a:xfrm>
+          <a:prstGeom prst="rect">
+            <a:avLst/>
+          </a:prstGeom>
+          <a:solidFill>
+            <a:schemeClr val="bg1"/>
+          </a:solidFill>
+        </p:spPr>
+        <p:style>
+          <a:lnRef idx="2">
+            <a:schemeClr val="accent1">
+              <a:shade val="50000"/>
+            </a:schemeClr>
+          </a:lnRef>
+          <a:fillRef idx="1">
+            <a:schemeClr val="accent1"/>
+          </a:fillRef>
+          <a:effectRef idx="0">
+            <a:schemeClr val="accent1"/>
+          </a:effectRef>
+          <a:fontRef idx="minor">
+            <a:schemeClr val="lt1"/>
+          </a:fontRef>
+        </p:style>
+        <p:txBody>
+          <a:bodyPr rtlCol="0" anchor="t" anchorCtr="0"/>
+          <a:lstStyle/>
+          <a:p>
+            <a:r>
+              <a:rPr kumimoji="1" lang="ja-JP" altLang="en-US" dirty="0" smtClean="0">
+                <a:solidFill>
+                  <a:schemeClr val="tx1"/>
+                </a:solidFill>
+              </a:rPr>
+              <a:t>＜</a:t>
+            </a:r>
+            <a:r>
+              <a:rPr lang="ja-JP" altLang="en-US" dirty="0">
+                <a:solidFill>
+                  <a:schemeClr val="tx1"/>
+                </a:solidFill>
+              </a:rPr>
+              <a:t>描画</a:t>
+            </a:r>
+            <a:r>
+              <a:rPr kumimoji="1" lang="ja-JP" altLang="en-US" dirty="0" smtClean="0">
+                <a:solidFill>
+                  <a:schemeClr val="tx1"/>
+                </a:solidFill>
+              </a:rPr>
+              <a:t>クラス＞</a:t>
+            </a:r>
+            <a:endParaRPr kumimoji="1" lang="en-US" altLang="ja-JP" dirty="0" smtClean="0">
+              <a:solidFill>
+                <a:schemeClr val="tx1"/>
+              </a:solidFill>
+            </a:endParaRPr>
+          </a:p>
+          <a:p>
+            <a:r>
+              <a:rPr lang="ja-JP" altLang="en-US" dirty="0">
+                <a:solidFill>
+                  <a:schemeClr val="tx1"/>
+                </a:solidFill>
+              </a:rPr>
+              <a:t>　</a:t>
+            </a:r>
+            <a:r>
+              <a:rPr lang="ja-JP" altLang="en-US" dirty="0" smtClean="0">
+                <a:solidFill>
+                  <a:schemeClr val="tx1"/>
+                </a:solidFill>
+              </a:rPr>
+              <a:t>■棒リストデータから描画</a:t>
+            </a:r>
+            <a:endParaRPr kumimoji="1" lang="en-US" altLang="ja-JP" dirty="0" smtClean="0">
+              <a:solidFill>
+                <a:schemeClr val="tx1"/>
+              </a:solidFill>
+            </a:endParaRPr>
+          </a:p>
+        </p:txBody>
+      </p:sp>
+      <p:sp>
+        <p:nvSpPr>
+          <p:cNvPr id="5" name="正方形/長方形 4"/>
+          <p:cNvSpPr/>
+          <p:nvPr/>
+        </p:nvSpPr>
+        <p:spPr>
+          <a:xfrm>
+            <a:off x="899592" y="2564904"/>
+            <a:ext cx="4161416" cy="1440160"/>
+          </a:xfrm>
+          <a:prstGeom prst="rect">
+            <a:avLst/>
+          </a:prstGeom>
+          <a:solidFill>
+            <a:schemeClr val="bg1"/>
+          </a:solidFill>
+        </p:spPr>
+        <p:style>
+          <a:lnRef idx="2">
+            <a:schemeClr val="accent1">
+              <a:shade val="50000"/>
+            </a:schemeClr>
+          </a:lnRef>
+          <a:fillRef idx="1">
+            <a:schemeClr val="accent1"/>
+          </a:fillRef>
+          <a:effectRef idx="0">
+            <a:schemeClr val="accent1"/>
+          </a:effectRef>
+          <a:fontRef idx="minor">
+            <a:schemeClr val="lt1"/>
+          </a:fontRef>
+        </p:style>
+        <p:txBody>
+          <a:bodyPr rtlCol="0" anchor="t" anchorCtr="0"/>
+          <a:lstStyle/>
+          <a:p>
+            <a:r>
+              <a:rPr lang="ja-JP" altLang="en-US" dirty="0" smtClean="0">
+                <a:solidFill>
+                  <a:schemeClr val="tx1"/>
+                </a:solidFill>
+              </a:rPr>
+              <a:t>データクラス</a:t>
+            </a:r>
+            <a:endParaRPr lang="en-US" altLang="ja-JP" dirty="0" smtClean="0">
+              <a:solidFill>
+                <a:schemeClr val="tx1"/>
+              </a:solidFill>
+            </a:endParaRPr>
+          </a:p>
+          <a:p>
+            <a:r>
+              <a:rPr lang="ja-JP" altLang="en-US" dirty="0" smtClean="0">
+                <a:solidFill>
+                  <a:schemeClr val="tx1"/>
+                </a:solidFill>
+              </a:rPr>
+              <a:t>●円盤データ（サブクラス）</a:t>
+            </a:r>
+            <a:endParaRPr lang="en-US" altLang="ja-JP" dirty="0" smtClean="0">
+              <a:solidFill>
+                <a:schemeClr val="tx1"/>
+              </a:solidFill>
+            </a:endParaRPr>
+          </a:p>
+          <a:p>
+            <a:r>
+              <a:rPr lang="ja-JP" altLang="en-US" dirty="0" smtClean="0">
+                <a:solidFill>
+                  <a:schemeClr val="tx1"/>
+                </a:solidFill>
+              </a:rPr>
+              <a:t>●</a:t>
+            </a:r>
+            <a:r>
+              <a:rPr lang="ja-JP" altLang="en-US" dirty="0">
+                <a:solidFill>
+                  <a:schemeClr val="tx1"/>
+                </a:solidFill>
+              </a:rPr>
+              <a:t>棒リストデータ（サブクラス</a:t>
+            </a:r>
+            <a:r>
+              <a:rPr lang="ja-JP" altLang="en-US" dirty="0" smtClean="0">
+                <a:solidFill>
+                  <a:schemeClr val="tx1"/>
+                </a:solidFill>
+              </a:rPr>
+              <a:t>）</a:t>
+            </a:r>
+            <a:endParaRPr lang="en-US" altLang="ja-JP" dirty="0" smtClean="0">
+              <a:solidFill>
+                <a:schemeClr val="tx1"/>
+              </a:solidFill>
+            </a:endParaRPr>
+          </a:p>
+          <a:p>
+            <a:r>
+              <a:rPr lang="ja-JP" altLang="en-US" dirty="0">
+                <a:solidFill>
+                  <a:schemeClr val="tx1"/>
+                </a:solidFill>
+              </a:rPr>
+              <a:t>　</a:t>
+            </a:r>
+            <a:r>
+              <a:rPr lang="ja-JP" altLang="en-US" dirty="0" smtClean="0">
+                <a:solidFill>
+                  <a:schemeClr val="tx1"/>
+                </a:solidFill>
+              </a:rPr>
+              <a:t>　・円盤データを内包</a:t>
+            </a:r>
+            <a:endParaRPr lang="en-US" altLang="ja-JP" dirty="0" smtClean="0">
+              <a:solidFill>
+                <a:schemeClr val="tx1"/>
+              </a:solidFill>
+            </a:endParaRPr>
+          </a:p>
+        </p:txBody>
+      </p:sp>
+      <p:sp>
+        <p:nvSpPr>
+          <p:cNvPr id="6" name="正方形/長方形 5"/>
+          <p:cNvSpPr/>
+          <p:nvPr/>
+        </p:nvSpPr>
+        <p:spPr>
+          <a:xfrm>
+            <a:off x="5220072" y="4941169"/>
+            <a:ext cx="3024336" cy="1584175"/>
+          </a:xfrm>
+          <a:prstGeom prst="rect">
+            <a:avLst/>
+          </a:prstGeom>
+          <a:solidFill>
+            <a:schemeClr val="bg1"/>
+          </a:solidFill>
+        </p:spPr>
+        <p:style>
+          <a:lnRef idx="2">
+            <a:schemeClr val="accent1">
+              <a:shade val="50000"/>
+            </a:schemeClr>
+          </a:lnRef>
+          <a:fillRef idx="1">
+            <a:schemeClr val="accent1"/>
+          </a:fillRef>
+          <a:effectRef idx="0">
+            <a:schemeClr val="accent1"/>
+          </a:effectRef>
+          <a:fontRef idx="minor">
+            <a:schemeClr val="lt1"/>
+          </a:fontRef>
+        </p:style>
+        <p:txBody>
+          <a:bodyPr rtlCol="0" anchor="t" anchorCtr="0"/>
+          <a:lstStyle/>
+          <a:p>
+            <a:r>
+              <a:rPr lang="ja-JP" altLang="en-US" dirty="0" smtClean="0">
+                <a:solidFill>
+                  <a:schemeClr val="tx1"/>
+                </a:solidFill>
+              </a:rPr>
+              <a:t>アルゴリズムクラス</a:t>
+            </a:r>
+            <a:endParaRPr lang="en-US" altLang="ja-JP" dirty="0" smtClean="0">
+              <a:solidFill>
+                <a:schemeClr val="tx1"/>
+              </a:solidFill>
+            </a:endParaRPr>
+          </a:p>
+          <a:p>
+            <a:r>
+              <a:rPr lang="ja-JP" altLang="en-US" dirty="0">
+                <a:solidFill>
+                  <a:schemeClr val="tx1"/>
+                </a:solidFill>
+              </a:rPr>
+              <a:t>■データクラス生成</a:t>
+            </a:r>
+            <a:r>
+              <a:rPr lang="ja-JP" altLang="en-US" dirty="0" smtClean="0">
+                <a:solidFill>
+                  <a:schemeClr val="tx1"/>
+                </a:solidFill>
+              </a:rPr>
+              <a:t>メソッド</a:t>
+            </a:r>
+            <a:endParaRPr lang="en-US" altLang="ja-JP" dirty="0" smtClean="0">
+              <a:solidFill>
+                <a:schemeClr val="tx1"/>
+              </a:solidFill>
+            </a:endParaRPr>
+          </a:p>
+          <a:p>
+            <a:r>
+              <a:rPr lang="ja-JP" altLang="en-US" dirty="0" smtClean="0">
+                <a:solidFill>
+                  <a:schemeClr val="tx1"/>
+                </a:solidFill>
+              </a:rPr>
+              <a:t>■ハノイの塔の常套</a:t>
+            </a:r>
+            <a:r>
+              <a:rPr lang="ja-JP" altLang="en-US" dirty="0" smtClean="0">
+                <a:solidFill>
+                  <a:schemeClr val="tx1"/>
+                </a:solidFill>
+              </a:rPr>
+              <a:t>操作（データ操作メソッド）</a:t>
+            </a:r>
+            <a:endParaRPr lang="en-US" altLang="ja-JP" dirty="0" smtClean="0">
+              <a:solidFill>
+                <a:schemeClr val="tx1"/>
+              </a:solidFill>
+            </a:endParaRPr>
+          </a:p>
+        </p:txBody>
+      </p:sp>
+      <p:sp>
+        <p:nvSpPr>
+          <p:cNvPr id="7" name="円/楕円 6"/>
+          <p:cNvSpPr/>
+          <p:nvPr/>
+        </p:nvSpPr>
+        <p:spPr>
+          <a:xfrm>
+            <a:off x="6159871" y="3604278"/>
+            <a:ext cx="2232248" cy="548680"/>
+          </a:xfrm>
+          <a:prstGeom prst="ellipse">
+            <a:avLst/>
+          </a:prstGeom>
+        </p:spPr>
+        <p:style>
+          <a:lnRef idx="2">
+            <a:schemeClr val="accent1">
+              <a:shade val="50000"/>
+            </a:schemeClr>
+          </a:lnRef>
+          <a:fillRef idx="1">
+            <a:schemeClr val="accent1"/>
+          </a:fillRef>
+          <a:effectRef idx="0">
+            <a:schemeClr val="accent1"/>
+          </a:effectRef>
+          <a:fontRef idx="minor">
+            <a:schemeClr val="lt1"/>
+          </a:fontRef>
+        </p:style>
+        <p:txBody>
+          <a:bodyPr rtlCol="0" anchor="ctr"/>
+          <a:lstStyle/>
+          <a:p>
+            <a:pPr algn="ctr"/>
+            <a:r>
+              <a:rPr lang="ja-JP" altLang="en-US" dirty="0"/>
+              <a:t>ユーザー</a:t>
+            </a:r>
+            <a:endParaRPr kumimoji="1" lang="ja-JP" altLang="en-US" dirty="0"/>
+          </a:p>
+        </p:txBody>
+      </p:sp>
+      <p:cxnSp>
+        <p:nvCxnSpPr>
+          <p:cNvPr id="8" name="直線矢印コネクタ 7"/>
+          <p:cNvCxnSpPr>
+            <a:stCxn id="7" idx="4"/>
+            <a:endCxn id="6" idx="0"/>
+          </p:cNvCxnSpPr>
+          <p:nvPr/>
+        </p:nvCxnSpPr>
+        <p:spPr>
+          <a:xfrm flipH="1">
+            <a:off x="6732240" y="4152958"/>
+            <a:ext cx="543755" cy="788211"/>
+          </a:xfrm>
+          <a:prstGeom prst="straightConnector1">
+            <a:avLst/>
+          </a:prstGeom>
+          <a:ln>
+            <a:tailEnd type="arrow"/>
+          </a:ln>
+        </p:spPr>
+        <p:style>
+          <a:lnRef idx="1">
+            <a:schemeClr val="accent1"/>
+          </a:lnRef>
+          <a:fillRef idx="0">
+            <a:schemeClr val="accent1"/>
+          </a:fillRef>
+          <a:effectRef idx="0">
+            <a:schemeClr val="accent1"/>
+          </a:effectRef>
+          <a:fontRef idx="minor">
+            <a:schemeClr val="tx1"/>
+          </a:fontRef>
+        </p:style>
+      </p:cxnSp>
+      <p:sp>
+        <p:nvSpPr>
+          <p:cNvPr id="9" name="テキスト ボックス 8"/>
+          <p:cNvSpPr txBox="1"/>
+          <p:nvPr/>
+        </p:nvSpPr>
+        <p:spPr>
+          <a:xfrm>
+            <a:off x="7308304" y="4278467"/>
+            <a:ext cx="1129027" cy="369332"/>
+          </a:xfrm>
+          <a:prstGeom prst="rect">
+            <a:avLst/>
+          </a:prstGeom>
+          <a:noFill/>
+        </p:spPr>
+        <p:txBody>
+          <a:bodyPr wrap="none" rtlCol="0">
+            <a:spAutoFit/>
+          </a:bodyPr>
+          <a:lstStyle/>
+          <a:p>
+            <a:r>
+              <a:rPr kumimoji="1" lang="en-US" altLang="ja-JP" dirty="0" smtClean="0"/>
+              <a:t>Enter</a:t>
+            </a:r>
+            <a:r>
+              <a:rPr kumimoji="1" lang="ja-JP" altLang="en-US" dirty="0" smtClean="0"/>
+              <a:t>キー</a:t>
+            </a:r>
+            <a:endParaRPr kumimoji="1" lang="ja-JP" altLang="en-US" dirty="0"/>
+          </a:p>
+        </p:txBody>
+      </p:sp>
+      <p:cxnSp>
+        <p:nvCxnSpPr>
+          <p:cNvPr id="10" name="直線矢印コネクタ 9"/>
+          <p:cNvCxnSpPr>
+            <a:stCxn id="6" idx="1"/>
+            <a:endCxn id="5" idx="2"/>
+          </p:cNvCxnSpPr>
+          <p:nvPr/>
+        </p:nvCxnSpPr>
+        <p:spPr>
+          <a:xfrm flipH="1" flipV="1">
+            <a:off x="2980300" y="4005064"/>
+            <a:ext cx="2239772" cy="1728193"/>
+          </a:xfrm>
+          <a:prstGeom prst="straightConnector1">
+            <a:avLst/>
+          </a:prstGeom>
+          <a:ln>
+            <a:tailEnd type="arrow"/>
+          </a:ln>
+        </p:spPr>
+        <p:style>
+          <a:lnRef idx="1">
+            <a:schemeClr val="accent1"/>
+          </a:lnRef>
+          <a:fillRef idx="0">
+            <a:schemeClr val="accent1"/>
+          </a:fillRef>
+          <a:effectRef idx="0">
+            <a:schemeClr val="accent1"/>
+          </a:effectRef>
+          <a:fontRef idx="minor">
+            <a:schemeClr val="tx1"/>
+          </a:fontRef>
+        </p:style>
+      </p:cxnSp>
+      <p:cxnSp>
+        <p:nvCxnSpPr>
+          <p:cNvPr id="13" name="直線矢印コネクタ 12"/>
+          <p:cNvCxnSpPr>
+            <a:stCxn id="5" idx="0"/>
+            <a:endCxn id="4" idx="2"/>
+          </p:cNvCxnSpPr>
+          <p:nvPr/>
+        </p:nvCxnSpPr>
+        <p:spPr>
+          <a:xfrm flipV="1">
+            <a:off x="2980300" y="1395084"/>
+            <a:ext cx="0" cy="1169820"/>
+          </a:xfrm>
+          <a:prstGeom prst="straightConnector1">
+            <a:avLst/>
+          </a:prstGeom>
+          <a:ln>
+            <a:tailEnd type="arrow"/>
+          </a:ln>
+        </p:spPr>
+        <p:style>
+          <a:lnRef idx="1">
+            <a:schemeClr val="accent1"/>
+          </a:lnRef>
+          <a:fillRef idx="0">
+            <a:schemeClr val="accent1"/>
+          </a:fillRef>
+          <a:effectRef idx="0">
+            <a:schemeClr val="accent1"/>
+          </a:effectRef>
+          <a:fontRef idx="minor">
+            <a:schemeClr val="tx1"/>
+          </a:fontRef>
+        </p:style>
+      </p:cxnSp>
+    </p:spTree>
+    <p:extLst>
+      <p:ext uri="{BB962C8B-B14F-4D97-AF65-F5344CB8AC3E}">
+        <p14:creationId xmlns:p14="http://schemas.microsoft.com/office/powerpoint/2010/main" val="199068825"/>
       </p:ext>
     </p:extLst>
   </p:cSld>

--- a/設計図.pptx
+++ b/設計図.pptx
@@ -290,7 +290,7 @@
           <a:p>
             <a:fld id="{E90ED720-0104-4369-84BC-D37694168613}" type="datetimeFigureOut">
               <a:rPr kumimoji="1" lang="ja-JP" altLang="en-US" smtClean="0"/>
-              <a:t>2014/11/22</a:t>
+              <a:t>2014/11/23</a:t>
             </a:fld>
             <a:endParaRPr kumimoji="1" lang="ja-JP" altLang="en-US"/>
           </a:p>
@@ -487,7 +487,7 @@
           <a:p>
             <a:fld id="{E90ED720-0104-4369-84BC-D37694168613}" type="datetimeFigureOut">
               <a:rPr kumimoji="1" lang="ja-JP" altLang="en-US" smtClean="0"/>
-              <a:t>2014/11/22</a:t>
+              <a:t>2014/11/23</a:t>
             </a:fld>
             <a:endParaRPr kumimoji="1" lang="ja-JP" altLang="en-US"/>
           </a:p>
@@ -694,7 +694,7 @@
           <a:p>
             <a:fld id="{E90ED720-0104-4369-84BC-D37694168613}" type="datetimeFigureOut">
               <a:rPr kumimoji="1" lang="ja-JP" altLang="en-US" smtClean="0"/>
-              <a:t>2014/11/22</a:t>
+              <a:t>2014/11/23</a:t>
             </a:fld>
             <a:endParaRPr kumimoji="1" lang="ja-JP" altLang="en-US"/>
           </a:p>
@@ -891,7 +891,7 @@
           <a:p>
             <a:fld id="{E90ED720-0104-4369-84BC-D37694168613}" type="datetimeFigureOut">
               <a:rPr kumimoji="1" lang="ja-JP" altLang="en-US" smtClean="0"/>
-              <a:t>2014/11/22</a:t>
+              <a:t>2014/11/23</a:t>
             </a:fld>
             <a:endParaRPr kumimoji="1" lang="ja-JP" altLang="en-US"/>
           </a:p>
@@ -1132,7 +1132,7 @@
           <a:p>
             <a:fld id="{E90ED720-0104-4369-84BC-D37694168613}" type="datetimeFigureOut">
               <a:rPr kumimoji="1" lang="ja-JP" altLang="en-US" smtClean="0"/>
-              <a:t>2014/11/22</a:t>
+              <a:t>2014/11/23</a:t>
             </a:fld>
             <a:endParaRPr kumimoji="1" lang="ja-JP" altLang="en-US"/>
           </a:p>
@@ -1479,7 +1479,7 @@
           <a:p>
             <a:fld id="{E90ED720-0104-4369-84BC-D37694168613}" type="datetimeFigureOut">
               <a:rPr kumimoji="1" lang="ja-JP" altLang="en-US" smtClean="0"/>
-              <a:t>2014/11/22</a:t>
+              <a:t>2014/11/23</a:t>
             </a:fld>
             <a:endParaRPr kumimoji="1" lang="ja-JP" altLang="en-US"/>
           </a:p>
@@ -1960,7 +1960,7 @@
           <a:p>
             <a:fld id="{E90ED720-0104-4369-84BC-D37694168613}" type="datetimeFigureOut">
               <a:rPr kumimoji="1" lang="ja-JP" altLang="en-US" smtClean="0"/>
-              <a:t>2014/11/22</a:t>
+              <a:t>2014/11/23</a:t>
             </a:fld>
             <a:endParaRPr kumimoji="1" lang="ja-JP" altLang="en-US"/>
           </a:p>
@@ -2073,7 +2073,7 @@
           <a:p>
             <a:fld id="{E90ED720-0104-4369-84BC-D37694168613}" type="datetimeFigureOut">
               <a:rPr kumimoji="1" lang="ja-JP" altLang="en-US" smtClean="0"/>
-              <a:t>2014/11/22</a:t>
+              <a:t>2014/11/23</a:t>
             </a:fld>
             <a:endParaRPr kumimoji="1" lang="ja-JP" altLang="en-US"/>
           </a:p>
@@ -2163,7 +2163,7 @@
           <a:p>
             <a:fld id="{E90ED720-0104-4369-84BC-D37694168613}" type="datetimeFigureOut">
               <a:rPr kumimoji="1" lang="ja-JP" altLang="en-US" smtClean="0"/>
-              <a:t>2014/11/22</a:t>
+              <a:t>2014/11/23</a:t>
             </a:fld>
             <a:endParaRPr kumimoji="1" lang="ja-JP" altLang="en-US"/>
           </a:p>
@@ -2467,7 +2467,7 @@
           <a:p>
             <a:fld id="{E90ED720-0104-4369-84BC-D37694168613}" type="datetimeFigureOut">
               <a:rPr kumimoji="1" lang="ja-JP" altLang="en-US" smtClean="0"/>
-              <a:t>2014/11/22</a:t>
+              <a:t>2014/11/23</a:t>
             </a:fld>
             <a:endParaRPr kumimoji="1" lang="ja-JP" altLang="en-US"/>
           </a:p>
@@ -2715,7 +2715,7 @@
           <a:p>
             <a:fld id="{E90ED720-0104-4369-84BC-D37694168613}" type="datetimeFigureOut">
               <a:rPr kumimoji="1" lang="ja-JP" altLang="en-US" smtClean="0"/>
-              <a:t>2014/11/22</a:t>
+              <a:t>2014/11/23</a:t>
             </a:fld>
             <a:endParaRPr kumimoji="1" lang="ja-JP" altLang="en-US"/>
           </a:p>
@@ -2955,7 +2955,7 @@
           <a:p>
             <a:fld id="{E90ED720-0104-4369-84BC-D37694168613}" type="datetimeFigureOut">
               <a:rPr kumimoji="1" lang="ja-JP" altLang="en-US" smtClean="0"/>
-              <a:t>2014/11/22</a:t>
+              <a:t>2014/11/23</a:t>
             </a:fld>
             <a:endParaRPr kumimoji="1" lang="ja-JP" altLang="en-US"/>
           </a:p>
@@ -4723,7 +4723,15 @@
                   <a:schemeClr val="tx1"/>
                 </a:solidFill>
               </a:rPr>
-              <a:t>■棒リストデータから描画</a:t>
+              <a:t>■棒リストデータ</a:t>
+            </a:r>
+            <a:r>
+              <a:rPr lang="ja-JP" altLang="en-US" dirty="0" smtClean="0">
+                <a:solidFill>
+                  <a:schemeClr val="tx1"/>
+                </a:solidFill>
+              </a:rPr>
+              <a:t>から棒・円盤の描画</a:t>
             </a:r>
             <a:endParaRPr kumimoji="1" lang="en-US" altLang="ja-JP" dirty="0" smtClean="0">
               <a:solidFill>
@@ -4792,7 +4800,55 @@
                   <a:schemeClr val="tx1"/>
                 </a:solidFill>
               </a:rPr>
-              <a:t>●円盤データ（サブクラス）</a:t>
+              <a:t>●</a:t>
+            </a:r>
+            <a:r>
+              <a:rPr lang="ja-JP" altLang="en-US" dirty="0">
+                <a:solidFill>
+                  <a:schemeClr val="tx1"/>
+                </a:solidFill>
+              </a:rPr>
+              <a:t>棒リストデータ</a:t>
+            </a:r>
+            <a:r>
+              <a:rPr lang="ja-JP" altLang="en-US" dirty="0" smtClean="0">
+                <a:solidFill>
+                  <a:schemeClr val="tx1"/>
+                </a:solidFill>
+              </a:rPr>
+              <a:t>（</a:t>
+            </a:r>
+            <a:r>
+              <a:rPr lang="ja-JP" altLang="en-US" dirty="0" smtClean="0">
+                <a:solidFill>
+                  <a:schemeClr val="tx1"/>
+                </a:solidFill>
+              </a:rPr>
+              <a:t>円盤</a:t>
+            </a:r>
+            <a:r>
+              <a:rPr lang="en-US" altLang="ja-JP" dirty="0" smtClean="0">
+                <a:solidFill>
+                  <a:schemeClr val="tx1"/>
+                </a:solidFill>
+              </a:rPr>
+              <a:t>ID</a:t>
+            </a:r>
+            <a:r>
+              <a:rPr lang="ja-JP" altLang="en-US" dirty="0" smtClean="0">
+                <a:solidFill>
+                  <a:schemeClr val="tx1"/>
+                </a:solidFill>
+              </a:rPr>
+              <a:t>情報を含む</a:t>
+            </a:r>
+            <a:r>
+              <a:rPr lang="ja-JP" altLang="en-US" dirty="0" smtClean="0">
+                <a:solidFill>
+                  <a:schemeClr val="tx1"/>
+                </a:solidFill>
+              </a:rPr>
+              <a:t>）</a:t>
             </a:r>
             <a:endParaRPr lang="en-US" altLang="ja-JP" dirty="0" smtClean="0">
               <a:solidFill>
@@ -4802,51 +4858,28 @@
           </a:p>
           <a:p>
             <a:r>
+              <a:rPr lang="ja-JP" altLang="en-US" smtClean="0">
+                <a:solidFill>
+                  <a:schemeClr val="tx1"/>
+                </a:solidFill>
+              </a:rPr>
+              <a:t>●</a:t>
+            </a:r>
+            <a:r>
               <a:rPr lang="ja-JP" altLang="en-US" dirty="0" smtClean="0">
                 <a:solidFill>
                   <a:schemeClr val="tx1"/>
                 </a:solidFill>
               </a:rPr>
-              <a:t>●</a:t>
-            </a:r>
-            <a:r>
-              <a:rPr lang="ja-JP" altLang="en-US" dirty="0">
-                <a:solidFill>
-                  <a:schemeClr val="tx1"/>
-                </a:solidFill>
-              </a:rPr>
-              <a:t>棒リストデータ（サブクラス</a:t>
-            </a:r>
-            <a:r>
-              <a:rPr lang="ja-JP" altLang="en-US" dirty="0" smtClean="0">
-                <a:solidFill>
-                  <a:schemeClr val="tx1"/>
-                </a:solidFill>
-              </a:rPr>
-              <a:t>）</a:t>
-            </a:r>
-            <a:endParaRPr lang="en-US" altLang="ja-JP" dirty="0" smtClean="0">
-              <a:solidFill>
-                <a:schemeClr val="tx1"/>
-              </a:solidFill>
-            </a:endParaRPr>
-          </a:p>
-          <a:p>
-            <a:r>
-              <a:rPr lang="ja-JP" altLang="en-US" dirty="0">
-                <a:solidFill>
-                  <a:schemeClr val="tx1"/>
-                </a:solidFill>
-              </a:rPr>
-              <a:t>　</a:t>
-            </a:r>
-            <a:r>
-              <a:rPr lang="ja-JP" altLang="en-US" dirty="0" smtClean="0">
-                <a:solidFill>
-                  <a:schemeClr val="tx1"/>
-                </a:solidFill>
-              </a:rPr>
-              <a:t>　・円盤データを内包</a:t>
+              <a:t>データ</a:t>
+            </a:r>
+            <a:r>
+              <a:rPr lang="ja-JP" altLang="en-US" smtClean="0">
+                <a:solidFill>
+                  <a:schemeClr val="tx1"/>
+                </a:solidFill>
+              </a:rPr>
+              <a:t>移動メソッド（棒リストのやりとり）</a:t>
             </a:r>
             <a:endParaRPr lang="en-US" altLang="ja-JP" dirty="0" smtClean="0">
               <a:solidFill>
@@ -4938,7 +4971,7 @@
                   <a:schemeClr val="tx1"/>
                 </a:solidFill>
               </a:rPr>
-              <a:t>■ハノイの塔の常套</a:t>
+              <a:t>■ハノイの塔の常套操作（データ操作メソッド</a:t>
             </a:r>
             <a:r>
               <a:rPr lang="ja-JP" altLang="en-US" dirty="0" smtClean="0">
@@ -4946,7 +4979,22 @@
                   <a:schemeClr val="tx1"/>
                 </a:solidFill>
               </a:rPr>
-              <a:t>操作（データ操作メソッド）</a:t>
+              <a:t>）</a:t>
+            </a:r>
+            <a:endParaRPr lang="en-US" altLang="ja-JP" dirty="0" smtClean="0">
+              <a:solidFill>
+                <a:schemeClr val="tx1"/>
+              </a:solidFill>
+            </a:endParaRPr>
+          </a:p>
+          <a:p>
+            <a:r>
+              <a:rPr lang="ja-JP" altLang="en-US" dirty="0" smtClean="0">
+                <a:solidFill>
+                  <a:schemeClr val="tx1"/>
+                </a:solidFill>
+              </a:rPr>
+              <a:t>●円盤の移動回数</a:t>
             </a:r>
             <a:endParaRPr lang="en-US" altLang="ja-JP" dirty="0" smtClean="0">
               <a:solidFill>

--- a/設計図.pptx
+++ b/設計図.pptx
@@ -5,9 +5,8 @@
     <p:sldMasterId id="2147483648" r:id="rId1"/>
   </p:sldMasterIdLst>
   <p:sldIdLst>
-    <p:sldId id="256" r:id="rId2"/>
-    <p:sldId id="257" r:id="rId3"/>
-    <p:sldId id="258" r:id="rId4"/>
+    <p:sldId id="259" r:id="rId2"/>
+    <p:sldId id="258" r:id="rId3"/>
   </p:sldIdLst>
   <p:sldSz cx="9144000" cy="6858000" type="screen4x3"/>
   <p:notesSz cx="6858000" cy="9144000"/>
@@ -290,7 +289,7 @@
           <a:p>
             <a:fld id="{E90ED720-0104-4369-84BC-D37694168613}" type="datetimeFigureOut">
               <a:rPr kumimoji="1" lang="ja-JP" altLang="en-US" smtClean="0"/>
-              <a:t>2014/11/23</a:t>
+              <a:t>2014/11/30</a:t>
             </a:fld>
             <a:endParaRPr kumimoji="1" lang="ja-JP" altLang="en-US"/>
           </a:p>
@@ -487,7 +486,7 @@
           <a:p>
             <a:fld id="{E90ED720-0104-4369-84BC-D37694168613}" type="datetimeFigureOut">
               <a:rPr kumimoji="1" lang="ja-JP" altLang="en-US" smtClean="0"/>
-              <a:t>2014/11/23</a:t>
+              <a:t>2014/11/30</a:t>
             </a:fld>
             <a:endParaRPr kumimoji="1" lang="ja-JP" altLang="en-US"/>
           </a:p>
@@ -694,7 +693,7 @@
           <a:p>
             <a:fld id="{E90ED720-0104-4369-84BC-D37694168613}" type="datetimeFigureOut">
               <a:rPr kumimoji="1" lang="ja-JP" altLang="en-US" smtClean="0"/>
-              <a:t>2014/11/23</a:t>
+              <a:t>2014/11/30</a:t>
             </a:fld>
             <a:endParaRPr kumimoji="1" lang="ja-JP" altLang="en-US"/>
           </a:p>
@@ -891,7 +890,7 @@
           <a:p>
             <a:fld id="{E90ED720-0104-4369-84BC-D37694168613}" type="datetimeFigureOut">
               <a:rPr kumimoji="1" lang="ja-JP" altLang="en-US" smtClean="0"/>
-              <a:t>2014/11/23</a:t>
+              <a:t>2014/11/30</a:t>
             </a:fld>
             <a:endParaRPr kumimoji="1" lang="ja-JP" altLang="en-US"/>
           </a:p>
@@ -1132,7 +1131,7 @@
           <a:p>
             <a:fld id="{E90ED720-0104-4369-84BC-D37694168613}" type="datetimeFigureOut">
               <a:rPr kumimoji="1" lang="ja-JP" altLang="en-US" smtClean="0"/>
-              <a:t>2014/11/23</a:t>
+              <a:t>2014/11/30</a:t>
             </a:fld>
             <a:endParaRPr kumimoji="1" lang="ja-JP" altLang="en-US"/>
           </a:p>
@@ -1479,7 +1478,7 @@
           <a:p>
             <a:fld id="{E90ED720-0104-4369-84BC-D37694168613}" type="datetimeFigureOut">
               <a:rPr kumimoji="1" lang="ja-JP" altLang="en-US" smtClean="0"/>
-              <a:t>2014/11/23</a:t>
+              <a:t>2014/11/30</a:t>
             </a:fld>
             <a:endParaRPr kumimoji="1" lang="ja-JP" altLang="en-US"/>
           </a:p>
@@ -1960,7 +1959,7 @@
           <a:p>
             <a:fld id="{E90ED720-0104-4369-84BC-D37694168613}" type="datetimeFigureOut">
               <a:rPr kumimoji="1" lang="ja-JP" altLang="en-US" smtClean="0"/>
-              <a:t>2014/11/23</a:t>
+              <a:t>2014/11/30</a:t>
             </a:fld>
             <a:endParaRPr kumimoji="1" lang="ja-JP" altLang="en-US"/>
           </a:p>
@@ -2073,7 +2072,7 @@
           <a:p>
             <a:fld id="{E90ED720-0104-4369-84BC-D37694168613}" type="datetimeFigureOut">
               <a:rPr kumimoji="1" lang="ja-JP" altLang="en-US" smtClean="0"/>
-              <a:t>2014/11/23</a:t>
+              <a:t>2014/11/30</a:t>
             </a:fld>
             <a:endParaRPr kumimoji="1" lang="ja-JP" altLang="en-US"/>
           </a:p>
@@ -2163,7 +2162,7 @@
           <a:p>
             <a:fld id="{E90ED720-0104-4369-84BC-D37694168613}" type="datetimeFigureOut">
               <a:rPr kumimoji="1" lang="ja-JP" altLang="en-US" smtClean="0"/>
-              <a:t>2014/11/23</a:t>
+              <a:t>2014/11/30</a:t>
             </a:fld>
             <a:endParaRPr kumimoji="1" lang="ja-JP" altLang="en-US"/>
           </a:p>
@@ -2467,7 +2466,7 @@
           <a:p>
             <a:fld id="{E90ED720-0104-4369-84BC-D37694168613}" type="datetimeFigureOut">
               <a:rPr kumimoji="1" lang="ja-JP" altLang="en-US" smtClean="0"/>
-              <a:t>2014/11/23</a:t>
+              <a:t>2014/11/30</a:t>
             </a:fld>
             <a:endParaRPr kumimoji="1" lang="ja-JP" altLang="en-US"/>
           </a:p>
@@ -2715,7 +2714,7 @@
           <a:p>
             <a:fld id="{E90ED720-0104-4369-84BC-D37694168613}" type="datetimeFigureOut">
               <a:rPr kumimoji="1" lang="ja-JP" altLang="en-US" smtClean="0"/>
-              <a:t>2014/11/23</a:t>
+              <a:t>2014/11/30</a:t>
             </a:fld>
             <a:endParaRPr kumimoji="1" lang="ja-JP" altLang="en-US"/>
           </a:p>
@@ -2955,7 +2954,7 @@
           <a:p>
             <a:fld id="{E90ED720-0104-4369-84BC-D37694168613}" type="datetimeFigureOut">
               <a:rPr kumimoji="1" lang="ja-JP" altLang="en-US" smtClean="0"/>
-              <a:t>2014/11/23</a:t>
+              <a:t>2014/11/30</a:t>
             </a:fld>
             <a:endParaRPr kumimoji="1" lang="ja-JP" altLang="en-US"/>
           </a:p>
@@ -3327,14 +3326,14 @@
       </p:grpSpPr>
       <p:sp>
         <p:nvSpPr>
-          <p:cNvPr id="5" name="正方形/長方形 4"/>
+          <p:cNvPr id="4" name="正方形/長方形 3"/>
           <p:cNvSpPr/>
           <p:nvPr/>
         </p:nvSpPr>
         <p:spPr>
           <a:xfrm>
-            <a:off x="6588224" y="4352988"/>
-            <a:ext cx="2304256" cy="1260761"/>
+            <a:off x="323528" y="591482"/>
+            <a:ext cx="4161416" cy="846404"/>
           </a:xfrm>
           <a:prstGeom prst="rect">
             <a:avLst/>
@@ -3369,7 +3368,23 @@
                   <a:schemeClr val="tx1"/>
                 </a:solidFill>
               </a:rPr>
-              <a:t>＜円盤クラス＞</a:t>
+              <a:t>＜</a:t>
+            </a:r>
+            <a:r>
+              <a:rPr lang="ja-JP" altLang="en-US" dirty="0">
+                <a:solidFill>
+                  <a:schemeClr val="tx1"/>
+                </a:solidFill>
+              </a:rPr>
+              <a:t>描画</a:t>
+            </a:r>
+            <a:r>
+              <a:rPr kumimoji="1" lang="ja-JP" altLang="en-US" dirty="0" smtClean="0">
+                <a:solidFill>
+                  <a:schemeClr val="tx1"/>
+                </a:solidFill>
+              </a:rPr>
+              <a:t>クラス＞</a:t>
             </a:r>
             <a:endParaRPr kumimoji="1" lang="en-US" altLang="ja-JP" dirty="0" smtClean="0">
               <a:solidFill>
@@ -3379,14 +3394,22 @@
           </a:p>
           <a:p>
             <a:r>
+              <a:rPr lang="ja-JP" altLang="en-US" dirty="0">
+                <a:solidFill>
+                  <a:schemeClr val="tx1"/>
+                </a:solidFill>
+              </a:rPr>
+              <a:t>　</a:t>
+            </a:r>
+            <a:r>
               <a:rPr lang="ja-JP" altLang="en-US" dirty="0" smtClean="0">
                 <a:solidFill>
                   <a:schemeClr val="tx1"/>
                 </a:solidFill>
               </a:rPr>
-              <a:t>●円盤の太さデータ</a:t>
-            </a:r>
-            <a:endParaRPr lang="en-US" altLang="ja-JP" dirty="0" smtClean="0">
+              <a:t>■棒リストデータから棒・円盤の描画</a:t>
+            </a:r>
+            <a:endParaRPr kumimoji="1" lang="en-US" altLang="ja-JP" dirty="0" smtClean="0">
               <a:solidFill>
                 <a:schemeClr val="tx1"/>
               </a:solidFill>
@@ -3396,14 +3419,14 @@
       </p:sp>
       <p:sp>
         <p:nvSpPr>
-          <p:cNvPr id="6" name="正方形/長方形 5"/>
+          <p:cNvPr id="5" name="正方形/長方形 4"/>
           <p:cNvSpPr/>
           <p:nvPr/>
         </p:nvSpPr>
         <p:spPr>
           <a:xfrm>
-            <a:off x="107504" y="4453771"/>
-            <a:ext cx="3054432" cy="1692809"/>
+            <a:off x="868446" y="5229200"/>
+            <a:ext cx="4161416" cy="1440160"/>
           </a:xfrm>
           <a:prstGeom prst="rect">
             <a:avLst/>
@@ -3433,102 +3456,12 @@
           <a:lstStyle/>
           <a:p>
             <a:r>
-              <a:rPr kumimoji="1" lang="ja-JP" altLang="en-US" dirty="0" smtClean="0">
+              <a:rPr lang="ja-JP" altLang="en-US" dirty="0" smtClean="0">
                 <a:solidFill>
                   <a:schemeClr val="tx1"/>
                 </a:solidFill>
               </a:rPr>
-              <a:t>＜棒クラス＞</a:t>
-            </a:r>
-            <a:endParaRPr kumimoji="1" lang="en-US" altLang="ja-JP" dirty="0" smtClean="0">
-              <a:solidFill>
-                <a:schemeClr val="tx1"/>
-              </a:solidFill>
-            </a:endParaRPr>
-          </a:p>
-          <a:p>
-            <a:r>
-              <a:rPr kumimoji="1" lang="ja-JP" altLang="en-US" dirty="0" smtClean="0">
-                <a:solidFill>
-                  <a:schemeClr val="tx1"/>
-                </a:solidFill>
-              </a:rPr>
-              <a:t>　■何の円盤があるか確認するメソッド</a:t>
-            </a:r>
-            <a:r>
-              <a:rPr kumimoji="1" lang="en-US" altLang="ja-JP" dirty="0" smtClean="0">
-                <a:solidFill>
-                  <a:schemeClr val="tx1"/>
-                </a:solidFill>
-              </a:rPr>
-              <a:t>()</a:t>
-            </a:r>
-          </a:p>
-          <a:p>
-            <a:r>
-              <a:rPr lang="ja-JP" altLang="en-US" dirty="0" smtClean="0">
-                <a:solidFill>
-                  <a:schemeClr val="tx1"/>
-                </a:solidFill>
-              </a:rPr>
-              <a:t>　■描画メソッド</a:t>
-            </a:r>
-            <a:r>
-              <a:rPr lang="en-US" altLang="ja-JP" dirty="0" smtClean="0">
-                <a:solidFill>
-                  <a:schemeClr val="tx1"/>
-                </a:solidFill>
-              </a:rPr>
-              <a:t>()</a:t>
-            </a:r>
-          </a:p>
-          <a:p>
-            <a:r>
-              <a:rPr lang="ja-JP" altLang="en-US" dirty="0">
-                <a:solidFill>
-                  <a:schemeClr val="tx1"/>
-                </a:solidFill>
-              </a:rPr>
-              <a:t>　</a:t>
-            </a:r>
-            <a:r>
-              <a:rPr lang="ja-JP" altLang="en-US" dirty="0" smtClean="0">
-                <a:solidFill>
-                  <a:schemeClr val="tx1"/>
-                </a:solidFill>
-              </a:rPr>
-              <a:t>●棒タイプデータ（</a:t>
-            </a:r>
-            <a:r>
-              <a:rPr lang="en-US" altLang="ja-JP" dirty="0" smtClean="0">
-                <a:solidFill>
-                  <a:schemeClr val="tx1"/>
-                </a:solidFill>
-              </a:rPr>
-              <a:t>A,B,C</a:t>
-            </a:r>
-            <a:r>
-              <a:rPr lang="ja-JP" altLang="en-US" dirty="0" smtClean="0">
-                <a:solidFill>
-                  <a:schemeClr val="tx1"/>
-                </a:solidFill>
-              </a:rPr>
-              <a:t>）</a:t>
-            </a:r>
-            <a:endParaRPr lang="en-US" altLang="ja-JP" dirty="0">
-              <a:solidFill>
-                <a:schemeClr val="tx1"/>
-              </a:solidFill>
-            </a:endParaRPr>
-          </a:p>
-          <a:p>
-            <a:r>
-              <a:rPr lang="ja-JP" altLang="en-US" smtClean="0">
-                <a:solidFill>
-                  <a:schemeClr val="tx1"/>
-                </a:solidFill>
-              </a:rPr>
-              <a:t>　●</a:t>
+              <a:t>データクラス</a:t>
             </a:r>
             <a:endParaRPr lang="en-US" altLang="ja-JP" dirty="0" smtClean="0">
               <a:solidFill>
@@ -3536,117 +3469,6 @@
               </a:solidFill>
             </a:endParaRPr>
           </a:p>
-        </p:txBody>
-      </p:sp>
-      <p:cxnSp>
-        <p:nvCxnSpPr>
-          <p:cNvPr id="9" name="直線矢印コネクタ 8"/>
-          <p:cNvCxnSpPr>
-            <a:stCxn id="12" idx="3"/>
-            <a:endCxn id="5" idx="0"/>
-          </p:cNvCxnSpPr>
-          <p:nvPr/>
-        </p:nvCxnSpPr>
-        <p:spPr>
-          <a:xfrm flipH="1">
-            <a:off x="7740352" y="2418135"/>
-            <a:ext cx="504056" cy="1934853"/>
-          </a:xfrm>
-          <a:prstGeom prst="straightConnector1">
-            <a:avLst/>
-          </a:prstGeom>
-          <a:ln>
-            <a:tailEnd type="arrow"/>
-          </a:ln>
-        </p:spPr>
-        <p:style>
-          <a:lnRef idx="1">
-            <a:schemeClr val="accent1"/>
-          </a:lnRef>
-          <a:fillRef idx="0">
-            <a:schemeClr val="accent1"/>
-          </a:fillRef>
-          <a:effectRef idx="0">
-            <a:schemeClr val="accent1"/>
-          </a:effectRef>
-          <a:fontRef idx="minor">
-            <a:schemeClr val="tx1"/>
-          </a:fontRef>
-        </p:style>
-      </p:cxnSp>
-      <p:cxnSp>
-        <p:nvCxnSpPr>
-          <p:cNvPr id="10" name="直線矢印コネクタ 9"/>
-          <p:cNvCxnSpPr>
-            <a:stCxn id="12" idx="1"/>
-            <a:endCxn id="6" idx="0"/>
-          </p:cNvCxnSpPr>
-          <p:nvPr/>
-        </p:nvCxnSpPr>
-        <p:spPr>
-          <a:xfrm>
-            <a:off x="1187624" y="2418135"/>
-            <a:ext cx="447096" cy="2035636"/>
-          </a:xfrm>
-          <a:prstGeom prst="straightConnector1">
-            <a:avLst/>
-          </a:prstGeom>
-          <a:ln>
-            <a:tailEnd type="arrow"/>
-          </a:ln>
-        </p:spPr>
-        <p:style>
-          <a:lnRef idx="1">
-            <a:schemeClr val="accent1"/>
-          </a:lnRef>
-          <a:fillRef idx="0">
-            <a:schemeClr val="accent1"/>
-          </a:fillRef>
-          <a:effectRef idx="0">
-            <a:schemeClr val="accent1"/>
-          </a:effectRef>
-          <a:fontRef idx="minor">
-            <a:schemeClr val="tx1"/>
-          </a:fontRef>
-        </p:style>
-      </p:cxnSp>
-      <p:sp>
-        <p:nvSpPr>
-          <p:cNvPr id="12" name="正方形/長方形 11"/>
-          <p:cNvSpPr/>
-          <p:nvPr/>
-        </p:nvSpPr>
-        <p:spPr>
-          <a:xfrm>
-            <a:off x="1187624" y="1196753"/>
-            <a:ext cx="7056784" cy="2442763"/>
-          </a:xfrm>
-          <a:prstGeom prst="rect">
-            <a:avLst/>
-          </a:prstGeom>
-          <a:solidFill>
-            <a:schemeClr val="bg1"/>
-          </a:solidFill>
-        </p:spPr>
-        <p:style>
-          <a:lnRef idx="2">
-            <a:schemeClr val="accent1">
-              <a:shade val="50000"/>
-            </a:schemeClr>
-          </a:lnRef>
-          <a:fillRef idx="1">
-            <a:schemeClr val="accent1"/>
-          </a:fillRef>
-          <a:effectRef idx="0">
-            <a:schemeClr val="accent1"/>
-          </a:effectRef>
-          <a:fontRef idx="minor">
-            <a:schemeClr val="lt1"/>
-          </a:fontRef>
-        </p:style>
-        <p:txBody>
-          <a:bodyPr rtlCol="0" anchor="t" anchorCtr="0"/>
-          <a:lstStyle/>
           <a:p>
             <a:r>
               <a:rPr lang="ja-JP" altLang="en-US" dirty="0" smtClean="0">
@@ -3654,7 +3476,39 @@
                   <a:schemeClr val="tx1"/>
                 </a:solidFill>
               </a:rPr>
-              <a:t>アルゴリズムクラス</a:t>
+              <a:t>●</a:t>
+            </a:r>
+            <a:r>
+              <a:rPr lang="ja-JP" altLang="en-US" dirty="0">
+                <a:solidFill>
+                  <a:schemeClr val="tx1"/>
+                </a:solidFill>
+              </a:rPr>
+              <a:t>棒リストデータ</a:t>
+            </a:r>
+            <a:r>
+              <a:rPr lang="ja-JP" altLang="en-US" dirty="0" smtClean="0">
+                <a:solidFill>
+                  <a:schemeClr val="tx1"/>
+                </a:solidFill>
+              </a:rPr>
+              <a:t>（円盤</a:t>
+            </a:r>
+            <a:r>
+              <a:rPr lang="en-US" altLang="ja-JP" dirty="0" smtClean="0">
+                <a:solidFill>
+                  <a:schemeClr val="tx1"/>
+                </a:solidFill>
+              </a:rPr>
+              <a:t>ID</a:t>
+            </a:r>
+            <a:r>
+              <a:rPr lang="ja-JP" altLang="en-US" dirty="0" smtClean="0">
+                <a:solidFill>
+                  <a:schemeClr val="tx1"/>
+                </a:solidFill>
+              </a:rPr>
+              <a:t>情報を含む）</a:t>
             </a:r>
             <a:endParaRPr lang="en-US" altLang="ja-JP" dirty="0" smtClean="0">
               <a:solidFill>
@@ -3669,7 +3523,7 @@
                   <a:schemeClr val="tx1"/>
                 </a:solidFill>
               </a:rPr>
-              <a:t>■ハノイの塔の常套操作</a:t>
+              <a:t>●データ移動メソッド（棒リストのやりとり）</a:t>
             </a:r>
             <a:endParaRPr lang="en-US" altLang="ja-JP" dirty="0" smtClean="0">
               <a:solidFill>
@@ -3677,621 +3531,6 @@
               </a:solidFill>
             </a:endParaRPr>
           </a:p>
-          <a:p>
-            <a:r>
-              <a:rPr lang="ja-JP" altLang="en-US" dirty="0" smtClean="0">
-                <a:solidFill>
-                  <a:schemeClr val="tx1"/>
-                </a:solidFill>
-              </a:rPr>
-              <a:t>■</a:t>
-            </a:r>
-            <a:r>
-              <a:rPr lang="ja-JP" altLang="en-US" dirty="0">
-                <a:solidFill>
-                  <a:schemeClr val="tx1"/>
-                </a:solidFill>
-              </a:rPr>
-              <a:t>円盤生成メソッド</a:t>
-            </a:r>
-            <a:endParaRPr lang="en-US" altLang="ja-JP" dirty="0">
-              <a:solidFill>
-                <a:schemeClr val="tx1"/>
-              </a:solidFill>
-            </a:endParaRPr>
-          </a:p>
-          <a:p>
-            <a:r>
-              <a:rPr lang="ja-JP" altLang="en-US" dirty="0">
-                <a:solidFill>
-                  <a:schemeClr val="tx1"/>
-                </a:solidFill>
-              </a:rPr>
-              <a:t>■棒生成メソッド</a:t>
-            </a:r>
-            <a:endParaRPr lang="en-US" altLang="ja-JP" dirty="0">
-              <a:solidFill>
-                <a:schemeClr val="tx1"/>
-              </a:solidFill>
-            </a:endParaRPr>
-          </a:p>
-          <a:p>
-            <a:r>
-              <a:rPr lang="ja-JP" altLang="en-US" dirty="0">
-                <a:solidFill>
-                  <a:schemeClr val="tx1"/>
-                </a:solidFill>
-              </a:rPr>
-              <a:t>■円盤移動</a:t>
-            </a:r>
-            <a:r>
-              <a:rPr lang="ja-JP" altLang="en-US" dirty="0" smtClean="0">
-                <a:solidFill>
-                  <a:schemeClr val="tx1"/>
-                </a:solidFill>
-              </a:rPr>
-              <a:t>メソッド</a:t>
-            </a:r>
-            <a:endParaRPr lang="en-US" altLang="ja-JP" dirty="0">
-              <a:solidFill>
-                <a:schemeClr val="tx1"/>
-              </a:solidFill>
-            </a:endParaRPr>
-          </a:p>
-        </p:txBody>
-      </p:sp>
-      <p:cxnSp>
-        <p:nvCxnSpPr>
-          <p:cNvPr id="24" name="直線矢印コネクタ 23"/>
-          <p:cNvCxnSpPr>
-            <a:stCxn id="5" idx="1"/>
-            <a:endCxn id="6" idx="3"/>
-          </p:cNvCxnSpPr>
-          <p:nvPr/>
-        </p:nvCxnSpPr>
-        <p:spPr>
-          <a:xfrm flipH="1">
-            <a:off x="3161936" y="4983369"/>
-            <a:ext cx="3426288" cy="316807"/>
-          </a:xfrm>
-          <a:prstGeom prst="straightConnector1">
-            <a:avLst/>
-          </a:prstGeom>
-          <a:ln>
-            <a:tailEnd type="arrow"/>
-          </a:ln>
-        </p:spPr>
-        <p:style>
-          <a:lnRef idx="1">
-            <a:schemeClr val="accent1"/>
-          </a:lnRef>
-          <a:fillRef idx="0">
-            <a:schemeClr val="accent1"/>
-          </a:fillRef>
-          <a:effectRef idx="0">
-            <a:schemeClr val="accent1"/>
-          </a:effectRef>
-          <a:fontRef idx="minor">
-            <a:schemeClr val="tx1"/>
-          </a:fontRef>
-        </p:style>
-      </p:cxnSp>
-      <p:sp>
-        <p:nvSpPr>
-          <p:cNvPr id="2" name="円/楕円 1"/>
-          <p:cNvSpPr/>
-          <p:nvPr/>
-        </p:nvSpPr>
-        <p:spPr>
-          <a:xfrm>
-            <a:off x="3491880" y="0"/>
-            <a:ext cx="2232248" cy="548680"/>
-          </a:xfrm>
-          <a:prstGeom prst="ellipse">
-            <a:avLst/>
-          </a:prstGeom>
-        </p:spPr>
-        <p:style>
-          <a:lnRef idx="2">
-            <a:schemeClr val="accent1">
-              <a:shade val="50000"/>
-            </a:schemeClr>
-          </a:lnRef>
-          <a:fillRef idx="1">
-            <a:schemeClr val="accent1"/>
-          </a:fillRef>
-          <a:effectRef idx="0">
-            <a:schemeClr val="accent1"/>
-          </a:effectRef>
-          <a:fontRef idx="minor">
-            <a:schemeClr val="lt1"/>
-          </a:fontRef>
-        </p:style>
-        <p:txBody>
-          <a:bodyPr rtlCol="0" anchor="ctr"/>
-          <a:lstStyle/>
-          <a:p>
-            <a:pPr algn="ctr"/>
-            <a:r>
-              <a:rPr lang="ja-JP" altLang="en-US" dirty="0"/>
-              <a:t>ユーザー</a:t>
-            </a:r>
-            <a:endParaRPr kumimoji="1" lang="ja-JP" altLang="en-US" dirty="0"/>
-          </a:p>
-        </p:txBody>
-      </p:sp>
-      <p:cxnSp>
-        <p:nvCxnSpPr>
-          <p:cNvPr id="11" name="直線矢印コネクタ 10"/>
-          <p:cNvCxnSpPr>
-            <a:stCxn id="2" idx="4"/>
-            <a:endCxn id="12" idx="0"/>
-          </p:cNvCxnSpPr>
-          <p:nvPr/>
-        </p:nvCxnSpPr>
-        <p:spPr>
-          <a:xfrm>
-            <a:off x="4608004" y="548680"/>
-            <a:ext cx="108012" cy="648073"/>
-          </a:xfrm>
-          <a:prstGeom prst="straightConnector1">
-            <a:avLst/>
-          </a:prstGeom>
-          <a:ln>
-            <a:tailEnd type="arrow"/>
-          </a:ln>
-        </p:spPr>
-        <p:style>
-          <a:lnRef idx="1">
-            <a:schemeClr val="accent1"/>
-          </a:lnRef>
-          <a:fillRef idx="0">
-            <a:schemeClr val="accent1"/>
-          </a:fillRef>
-          <a:effectRef idx="0">
-            <a:schemeClr val="accent1"/>
-          </a:effectRef>
-          <a:fontRef idx="minor">
-            <a:schemeClr val="tx1"/>
-          </a:fontRef>
-        </p:style>
-      </p:cxnSp>
-      <p:sp>
-        <p:nvSpPr>
-          <p:cNvPr id="8" name="テキスト ボックス 7"/>
-          <p:cNvSpPr txBox="1"/>
-          <p:nvPr/>
-        </p:nvSpPr>
-        <p:spPr>
-          <a:xfrm>
-            <a:off x="4640313" y="674189"/>
-            <a:ext cx="1129027" cy="369332"/>
-          </a:xfrm>
-          <a:prstGeom prst="rect">
-            <a:avLst/>
-          </a:prstGeom>
-          <a:noFill/>
-        </p:spPr>
-        <p:txBody>
-          <a:bodyPr wrap="none" rtlCol="0">
-            <a:spAutoFit/>
-          </a:bodyPr>
-          <a:lstStyle/>
-          <a:p>
-            <a:r>
-              <a:rPr kumimoji="1" lang="en-US" altLang="ja-JP" dirty="0" smtClean="0"/>
-              <a:t>Enter</a:t>
-            </a:r>
-            <a:r>
-              <a:rPr kumimoji="1" lang="ja-JP" altLang="en-US" dirty="0" smtClean="0"/>
-              <a:t>キー</a:t>
-            </a:r>
-            <a:endParaRPr kumimoji="1" lang="ja-JP" altLang="en-US" dirty="0"/>
-          </a:p>
-        </p:txBody>
-      </p:sp>
-      <p:sp>
-        <p:nvSpPr>
-          <p:cNvPr id="7" name="正方形/長方形 6"/>
-          <p:cNvSpPr/>
-          <p:nvPr/>
-        </p:nvSpPr>
-        <p:spPr>
-          <a:xfrm>
-            <a:off x="3830964" y="1653361"/>
-            <a:ext cx="4161416" cy="1529548"/>
-          </a:xfrm>
-          <a:prstGeom prst="rect">
-            <a:avLst/>
-          </a:prstGeom>
-          <a:solidFill>
-            <a:schemeClr val="bg1"/>
-          </a:solidFill>
-        </p:spPr>
-        <p:style>
-          <a:lnRef idx="2">
-            <a:schemeClr val="accent1">
-              <a:shade val="50000"/>
-            </a:schemeClr>
-          </a:lnRef>
-          <a:fillRef idx="1">
-            <a:schemeClr val="accent1"/>
-          </a:fillRef>
-          <a:effectRef idx="0">
-            <a:schemeClr val="accent1"/>
-          </a:effectRef>
-          <a:fontRef idx="minor">
-            <a:schemeClr val="lt1"/>
-          </a:fontRef>
-        </p:style>
-        <p:txBody>
-          <a:bodyPr rtlCol="0" anchor="t" anchorCtr="0"/>
-          <a:lstStyle/>
-          <a:p>
-            <a:r>
-              <a:rPr lang="ja-JP" altLang="en-US" dirty="0" smtClean="0">
-                <a:solidFill>
-                  <a:schemeClr val="tx1"/>
-                </a:solidFill>
-              </a:rPr>
-              <a:t>データクラス</a:t>
-            </a:r>
-            <a:endParaRPr lang="en-US" altLang="ja-JP" dirty="0" smtClean="0">
-              <a:solidFill>
-                <a:schemeClr val="tx1"/>
-              </a:solidFill>
-            </a:endParaRPr>
-          </a:p>
-          <a:p>
-            <a:r>
-              <a:rPr lang="ja-JP" altLang="en-US" dirty="0">
-                <a:solidFill>
-                  <a:schemeClr val="tx1"/>
-                </a:solidFill>
-              </a:rPr>
-              <a:t>●円盤の数</a:t>
-            </a:r>
-            <a:r>
-              <a:rPr lang="ja-JP" altLang="en-US" dirty="0" smtClean="0">
-                <a:solidFill>
-                  <a:schemeClr val="tx1"/>
-                </a:solidFill>
-              </a:rPr>
-              <a:t>データ</a:t>
-            </a:r>
-            <a:endParaRPr lang="en-US" altLang="ja-JP" dirty="0">
-              <a:solidFill>
-                <a:schemeClr val="tx1"/>
-              </a:solidFill>
-            </a:endParaRPr>
-          </a:p>
-          <a:p>
-            <a:r>
-              <a:rPr lang="ja-JP" altLang="en-US" dirty="0" smtClean="0">
-                <a:solidFill>
-                  <a:schemeClr val="tx1"/>
-                </a:solidFill>
-              </a:rPr>
-              <a:t>●どの棒にどの円盤があるかどれだけあるか分かるデータ</a:t>
-            </a:r>
-            <a:endParaRPr lang="en-US" altLang="ja-JP" dirty="0" smtClean="0">
-              <a:solidFill>
-                <a:schemeClr val="tx1"/>
-              </a:solidFill>
-            </a:endParaRPr>
-          </a:p>
-          <a:p>
-            <a:r>
-              <a:rPr lang="ja-JP" altLang="en-US" dirty="0" smtClean="0">
-                <a:solidFill>
-                  <a:schemeClr val="tx1"/>
-                </a:solidFill>
-              </a:rPr>
-              <a:t>●回数データ</a:t>
-            </a:r>
-            <a:endParaRPr lang="en-US" altLang="ja-JP" dirty="0" smtClean="0">
-              <a:solidFill>
-                <a:schemeClr val="tx1"/>
-              </a:solidFill>
-            </a:endParaRPr>
-          </a:p>
-        </p:txBody>
-      </p:sp>
-    </p:spTree>
-    <p:extLst>
-      <p:ext uri="{BB962C8B-B14F-4D97-AF65-F5344CB8AC3E}">
-        <p14:creationId xmlns:p14="http://schemas.microsoft.com/office/powerpoint/2010/main" val="1142570240"/>
-      </p:ext>
-    </p:extLst>
-  </p:cSld>
-  <p:clrMapOvr>
-    <a:masterClrMapping/>
-  </p:clrMapOvr>
-</p:sld>
-</file>
-
-<file path=ppt/slides/slide2.xml><?xml version="1.0" encoding="utf-8"?>
-<p:sld xmlns:a="http://schemas.openxmlformats.org/drawingml/2006/main" xmlns:r="http://schemas.openxmlformats.org/officeDocument/2006/relationships" xmlns:p="http://schemas.openxmlformats.org/presentationml/2006/main">
-  <p:cSld>
-    <p:spTree>
-      <p:nvGrpSpPr>
-        <p:cNvPr id="1" name=""/>
-        <p:cNvGrpSpPr/>
-        <p:nvPr/>
-      </p:nvGrpSpPr>
-      <p:grpSpPr>
-        <a:xfrm>
-          <a:off x="0" y="0"/>
-          <a:ext cx="0" cy="0"/>
-          <a:chOff x="0" y="0"/>
-          <a:chExt cx="0" cy="0"/>
-        </a:xfrm>
-      </p:grpSpPr>
-      <p:sp>
-        <p:nvSpPr>
-          <p:cNvPr id="4" name="正方形/長方形 3"/>
-          <p:cNvSpPr/>
-          <p:nvPr/>
-        </p:nvSpPr>
-        <p:spPr>
-          <a:xfrm>
-            <a:off x="1331640" y="4797152"/>
-            <a:ext cx="4161416" cy="1529548"/>
-          </a:xfrm>
-          <a:prstGeom prst="rect">
-            <a:avLst/>
-          </a:prstGeom>
-          <a:solidFill>
-            <a:schemeClr val="bg1"/>
-          </a:solidFill>
-        </p:spPr>
-        <p:style>
-          <a:lnRef idx="2">
-            <a:schemeClr val="accent1">
-              <a:shade val="50000"/>
-            </a:schemeClr>
-          </a:lnRef>
-          <a:fillRef idx="1">
-            <a:schemeClr val="accent1"/>
-          </a:fillRef>
-          <a:effectRef idx="0">
-            <a:schemeClr val="accent1"/>
-          </a:effectRef>
-          <a:fontRef idx="minor">
-            <a:schemeClr val="lt1"/>
-          </a:fontRef>
-        </p:style>
-        <p:txBody>
-          <a:bodyPr rtlCol="0" anchor="t" anchorCtr="0"/>
-          <a:lstStyle/>
-          <a:p>
-            <a:r>
-              <a:rPr lang="ja-JP" altLang="en-US" dirty="0" smtClean="0">
-                <a:solidFill>
-                  <a:schemeClr val="tx1"/>
-                </a:solidFill>
-              </a:rPr>
-              <a:t>データクラス</a:t>
-            </a:r>
-            <a:endParaRPr lang="en-US" altLang="ja-JP" dirty="0" smtClean="0">
-              <a:solidFill>
-                <a:schemeClr val="tx1"/>
-              </a:solidFill>
-            </a:endParaRPr>
-          </a:p>
-          <a:p>
-            <a:r>
-              <a:rPr lang="ja-JP" altLang="en-US" dirty="0">
-                <a:solidFill>
-                  <a:schemeClr val="tx1"/>
-                </a:solidFill>
-              </a:rPr>
-              <a:t>●円盤の数</a:t>
-            </a:r>
-            <a:r>
-              <a:rPr lang="ja-JP" altLang="en-US" dirty="0" smtClean="0">
-                <a:solidFill>
-                  <a:schemeClr val="tx1"/>
-                </a:solidFill>
-              </a:rPr>
-              <a:t>データ</a:t>
-            </a:r>
-            <a:endParaRPr lang="en-US" altLang="ja-JP" dirty="0">
-              <a:solidFill>
-                <a:schemeClr val="tx1"/>
-              </a:solidFill>
-            </a:endParaRPr>
-          </a:p>
-          <a:p>
-            <a:r>
-              <a:rPr lang="ja-JP" altLang="en-US" dirty="0" smtClean="0">
-                <a:solidFill>
-                  <a:schemeClr val="tx1"/>
-                </a:solidFill>
-              </a:rPr>
-              <a:t>●どの棒にどの円盤があるかどれだけあるか分かるデータ</a:t>
-            </a:r>
-            <a:endParaRPr lang="en-US" altLang="ja-JP" dirty="0" smtClean="0">
-              <a:solidFill>
-                <a:schemeClr val="tx1"/>
-              </a:solidFill>
-            </a:endParaRPr>
-          </a:p>
-          <a:p>
-            <a:r>
-              <a:rPr lang="ja-JP" altLang="en-US" dirty="0" smtClean="0">
-                <a:solidFill>
-                  <a:schemeClr val="tx1"/>
-                </a:solidFill>
-              </a:rPr>
-              <a:t>●回数データ</a:t>
-            </a:r>
-            <a:endParaRPr lang="en-US" altLang="ja-JP" dirty="0" smtClean="0">
-              <a:solidFill>
-                <a:schemeClr val="tx1"/>
-              </a:solidFill>
-            </a:endParaRPr>
-          </a:p>
-        </p:txBody>
-      </p:sp>
-      <p:sp>
-        <p:nvSpPr>
-          <p:cNvPr id="5" name="正方形/長方形 4"/>
-          <p:cNvSpPr/>
-          <p:nvPr/>
-        </p:nvSpPr>
-        <p:spPr>
-          <a:xfrm>
-            <a:off x="755576" y="495381"/>
-            <a:ext cx="4968552" cy="1692809"/>
-          </a:xfrm>
-          <a:prstGeom prst="rect">
-            <a:avLst/>
-          </a:prstGeom>
-          <a:solidFill>
-            <a:schemeClr val="bg1"/>
-          </a:solidFill>
-        </p:spPr>
-        <p:style>
-          <a:lnRef idx="2">
-            <a:schemeClr val="accent1">
-              <a:shade val="50000"/>
-            </a:schemeClr>
-          </a:lnRef>
-          <a:fillRef idx="1">
-            <a:schemeClr val="accent1"/>
-          </a:fillRef>
-          <a:effectRef idx="0">
-            <a:schemeClr val="accent1"/>
-          </a:effectRef>
-          <a:fontRef idx="minor">
-            <a:schemeClr val="lt1"/>
-          </a:fontRef>
-        </p:style>
-        <p:txBody>
-          <a:bodyPr rtlCol="0" anchor="t" anchorCtr="0"/>
-          <a:lstStyle/>
-          <a:p>
-            <a:r>
-              <a:rPr kumimoji="1" lang="ja-JP" altLang="en-US" dirty="0" smtClean="0">
-                <a:solidFill>
-                  <a:schemeClr val="tx1"/>
-                </a:solidFill>
-              </a:rPr>
-              <a:t>＜</a:t>
-            </a:r>
-            <a:r>
-              <a:rPr lang="ja-JP" altLang="en-US" dirty="0" smtClean="0">
-                <a:solidFill>
-                  <a:schemeClr val="tx1"/>
-                </a:solidFill>
-              </a:rPr>
-              <a:t>棒・円盤</a:t>
-            </a:r>
-            <a:r>
-              <a:rPr kumimoji="1" lang="ja-JP" altLang="en-US" dirty="0" smtClean="0">
-                <a:solidFill>
-                  <a:schemeClr val="tx1"/>
-                </a:solidFill>
-              </a:rPr>
-              <a:t>クラス＞</a:t>
-            </a:r>
-            <a:endParaRPr kumimoji="1" lang="en-US" altLang="ja-JP" dirty="0" smtClean="0">
-              <a:solidFill>
-                <a:schemeClr val="tx1"/>
-              </a:solidFill>
-            </a:endParaRPr>
-          </a:p>
-          <a:p>
-            <a:r>
-              <a:rPr kumimoji="1" lang="ja-JP" altLang="en-US" dirty="0" smtClean="0">
-                <a:solidFill>
-                  <a:schemeClr val="tx1"/>
-                </a:solidFill>
-              </a:rPr>
-              <a:t>　■何の円盤があるか確認するメソッド</a:t>
-            </a:r>
-            <a:r>
-              <a:rPr kumimoji="1" lang="en-US" altLang="ja-JP" dirty="0" smtClean="0">
-                <a:solidFill>
-                  <a:schemeClr val="tx1"/>
-                </a:solidFill>
-              </a:rPr>
-              <a:t>()</a:t>
-            </a:r>
-          </a:p>
-          <a:p>
-            <a:r>
-              <a:rPr lang="ja-JP" altLang="en-US" dirty="0" smtClean="0">
-                <a:solidFill>
-                  <a:schemeClr val="tx1"/>
-                </a:solidFill>
-              </a:rPr>
-              <a:t>　■描画メソッド</a:t>
-            </a:r>
-            <a:r>
-              <a:rPr lang="en-US" altLang="ja-JP" dirty="0" smtClean="0">
-                <a:solidFill>
-                  <a:schemeClr val="tx1"/>
-                </a:solidFill>
-              </a:rPr>
-              <a:t>()</a:t>
-            </a:r>
-          </a:p>
-          <a:p>
-            <a:r>
-              <a:rPr lang="ja-JP" altLang="en-US" dirty="0">
-                <a:solidFill>
-                  <a:schemeClr val="tx1"/>
-                </a:solidFill>
-              </a:rPr>
-              <a:t>　</a:t>
-            </a:r>
-            <a:r>
-              <a:rPr lang="ja-JP" altLang="en-US" dirty="0" smtClean="0">
-                <a:solidFill>
-                  <a:schemeClr val="tx1"/>
-                </a:solidFill>
-              </a:rPr>
-              <a:t>●棒タイプデータ（</a:t>
-            </a:r>
-            <a:r>
-              <a:rPr lang="en-US" altLang="ja-JP" dirty="0" smtClean="0">
-                <a:solidFill>
-                  <a:schemeClr val="tx1"/>
-                </a:solidFill>
-              </a:rPr>
-              <a:t>A,B,C</a:t>
-            </a:r>
-            <a:r>
-              <a:rPr lang="ja-JP" altLang="en-US" dirty="0" smtClean="0">
-                <a:solidFill>
-                  <a:schemeClr val="tx1"/>
-                </a:solidFill>
-              </a:rPr>
-              <a:t>）</a:t>
-            </a:r>
-            <a:endParaRPr lang="en-US" altLang="ja-JP" dirty="0">
-              <a:solidFill>
-                <a:schemeClr val="tx1"/>
-              </a:solidFill>
-            </a:endParaRPr>
-          </a:p>
-          <a:p>
-            <a:r>
-              <a:rPr lang="ja-JP" altLang="en-US" dirty="0" smtClean="0">
-                <a:solidFill>
-                  <a:schemeClr val="tx1"/>
-                </a:solidFill>
-              </a:rPr>
-              <a:t>　●</a:t>
-            </a:r>
-            <a:endParaRPr lang="en-US" altLang="ja-JP" dirty="0" smtClean="0">
-              <a:solidFill>
-                <a:schemeClr val="tx1"/>
-              </a:solidFill>
-            </a:endParaRPr>
-          </a:p>
         </p:txBody>
       </p:sp>
       <p:sp>
@@ -4302,7 +3541,7 @@
         </p:nvSpPr>
         <p:spPr>
           <a:xfrm>
-            <a:off x="5220072" y="2564904"/>
+            <a:off x="3131840" y="2405572"/>
             <a:ext cx="3024336" cy="1584175"/>
           </a:xfrm>
           <a:prstGeom prst="rect">
@@ -4333,12 +3572,20 @@
           <a:lstStyle/>
           <a:p>
             <a:r>
+              <a:rPr lang="ja-JP" altLang="en-US" dirty="0">
+                <a:solidFill>
+                  <a:schemeClr val="tx1"/>
+                </a:solidFill>
+              </a:rPr>
+              <a:t>コントローラ</a:t>
+            </a:r>
+            <a:r>
               <a:rPr lang="ja-JP" altLang="en-US" dirty="0" smtClean="0">
                 <a:solidFill>
                   <a:schemeClr val="tx1"/>
                 </a:solidFill>
               </a:rPr>
-              <a:t>アルゴリズムクラス</a:t>
+              <a:t>クラス</a:t>
             </a:r>
             <a:endParaRPr lang="en-US" altLang="ja-JP" dirty="0" smtClean="0">
               <a:solidFill>
@@ -4348,12 +3595,20 @@
           </a:p>
           <a:p>
             <a:r>
+              <a:rPr lang="ja-JP" altLang="en-US" dirty="0">
+                <a:solidFill>
+                  <a:schemeClr val="tx1"/>
+                </a:solidFill>
+              </a:rPr>
+              <a:t>■データクラス生成</a:t>
+            </a:r>
+            <a:r>
               <a:rPr lang="ja-JP" altLang="en-US" dirty="0" smtClean="0">
                 <a:solidFill>
                   <a:schemeClr val="tx1"/>
                 </a:solidFill>
               </a:rPr>
-              <a:t>■ハノイの塔の常套操作</a:t>
+              <a:t>メソッド</a:t>
             </a:r>
             <a:endParaRPr lang="en-US" altLang="ja-JP" dirty="0" smtClean="0">
               <a:solidFill>
@@ -4368,17 +3623,9 @@
                   <a:schemeClr val="tx1"/>
                 </a:solidFill>
               </a:rPr>
-              <a:t>■</a:t>
-            </a:r>
-            <a:r>
-              <a:rPr lang="ja-JP" altLang="en-US" dirty="0">
-                <a:solidFill>
-                  <a:schemeClr val="tx1"/>
-                </a:solidFill>
-              </a:rPr>
-              <a:t>円盤生成メソッド</a:t>
-            </a:r>
-            <a:endParaRPr lang="en-US" altLang="ja-JP" dirty="0">
+              <a:t>■ハノイの塔の常套操作（データ操作メソッド）</a:t>
+            </a:r>
+            <a:endParaRPr lang="en-US" altLang="ja-JP" dirty="0" smtClean="0">
               <a:solidFill>
                 <a:schemeClr val="tx1"/>
               </a:solidFill>
@@ -4386,42 +3633,19 @@
           </a:p>
           <a:p>
             <a:r>
-              <a:rPr lang="ja-JP" altLang="en-US" dirty="0">
+              <a:rPr lang="ja-JP" altLang="en-US" dirty="0" smtClean="0">
                 <a:solidFill>
                   <a:schemeClr val="tx1"/>
                 </a:solidFill>
               </a:rPr>
-              <a:t>■棒生成メソッド</a:t>
-            </a:r>
-            <a:endParaRPr lang="en-US" altLang="ja-JP" dirty="0">
+              <a:t>●円盤の移動回数</a:t>
+            </a:r>
+            <a:endParaRPr lang="en-US" altLang="ja-JP" dirty="0" smtClean="0">
               <a:solidFill>
                 <a:schemeClr val="tx1"/>
               </a:solidFill>
             </a:endParaRPr>
           </a:p>
-          <a:p>
-            <a:r>
-              <a:rPr lang="ja-JP" altLang="en-US" dirty="0">
-                <a:solidFill>
-                  <a:schemeClr val="tx1"/>
-                </a:solidFill>
-              </a:rPr>
-              <a:t>■円盤移動</a:t>
-            </a:r>
-            <a:r>
-              <a:rPr lang="ja-JP" altLang="en-US" dirty="0" smtClean="0">
-                <a:solidFill>
-                  <a:schemeClr val="tx1"/>
-                </a:solidFill>
-              </a:rPr>
-              <a:t>メソッド</a:t>
-            </a:r>
-            <a:endParaRPr lang="en-US" altLang="ja-JP" dirty="0">
-              <a:solidFill>
-                <a:schemeClr val="tx1"/>
-              </a:solidFill>
-            </a:endParaRPr>
-          </a:p>
         </p:txBody>
       </p:sp>
       <p:sp>
@@ -4432,7 +3656,7 @@
         </p:nvSpPr>
         <p:spPr>
           <a:xfrm>
-            <a:off x="6159871" y="1372030"/>
+            <a:off x="6756693" y="2923319"/>
             <a:ext cx="2232248" cy="548680"/>
           </a:xfrm>
           <a:prstGeom prst="ellipse">
@@ -4472,20 +3696,20 @@
         <p:nvCxnSpPr>
           <p:cNvPr id="8" name="直線矢印コネクタ 7"/>
           <p:cNvCxnSpPr>
-            <a:stCxn id="7" idx="4"/>
-            <a:endCxn id="6" idx="0"/>
+            <a:stCxn id="7" idx="2"/>
+            <a:endCxn id="6" idx="3"/>
           </p:cNvCxnSpPr>
           <p:nvPr/>
         </p:nvCxnSpPr>
         <p:spPr>
           <a:xfrm flipH="1">
-            <a:off x="6732240" y="1920710"/>
-            <a:ext cx="543755" cy="644194"/>
+            <a:off x="6156176" y="3197659"/>
+            <a:ext cx="600517" cy="1"/>
           </a:xfrm>
           <a:prstGeom prst="straightConnector1">
             <a:avLst/>
           </a:prstGeom>
-          <a:ln>
+          <a:ln w="38100">
             <a:tailEnd type="arrow"/>
           </a:ln>
         </p:spPr>
@@ -4512,7 +3736,7 @@
         </p:nvSpPr>
         <p:spPr>
           <a:xfrm>
-            <a:off x="7308304" y="2046219"/>
+            <a:off x="6192179" y="3471725"/>
             <a:ext cx="1129027" cy="369332"/>
           </a:xfrm>
           <a:prstGeom prst="rect">
@@ -4540,22 +3764,22 @@
       </p:sp>
       <p:cxnSp>
         <p:nvCxnSpPr>
-          <p:cNvPr id="11" name="直線矢印コネクタ 10"/>
+          <p:cNvPr id="10" name="直線矢印コネクタ 9"/>
           <p:cNvCxnSpPr>
-            <a:stCxn id="6" idx="2"/>
-            <a:endCxn id="4" idx="0"/>
+            <a:stCxn id="6" idx="0"/>
+            <a:endCxn id="4" idx="2"/>
           </p:cNvCxnSpPr>
           <p:nvPr/>
         </p:nvCxnSpPr>
         <p:spPr>
-          <a:xfrm flipH="1">
-            <a:off x="3412348" y="4149079"/>
-            <a:ext cx="3319892" cy="648073"/>
+          <a:xfrm flipH="1" flipV="1">
+            <a:off x="2404236" y="1437886"/>
+            <a:ext cx="2239772" cy="967686"/>
           </a:xfrm>
           <a:prstGeom prst="straightConnector1">
             <a:avLst/>
           </a:prstGeom>
-          <a:ln>
+          <a:ln w="38100">
             <a:tailEnd type="arrow"/>
           </a:ln>
         </p:spPr>
@@ -4576,22 +3800,22 @@
       </p:cxnSp>
       <p:cxnSp>
         <p:nvCxnSpPr>
-          <p:cNvPr id="14" name="直線矢印コネクタ 13"/>
+          <p:cNvPr id="13" name="直線矢印コネクタ 12"/>
           <p:cNvCxnSpPr>
-            <a:stCxn id="4" idx="0"/>
-            <a:endCxn id="5" idx="2"/>
+            <a:stCxn id="6" idx="2"/>
+            <a:endCxn id="5" idx="0"/>
           </p:cNvCxnSpPr>
           <p:nvPr/>
         </p:nvCxnSpPr>
         <p:spPr>
-          <a:xfrm flipH="1" flipV="1">
-            <a:off x="3239852" y="2188190"/>
-            <a:ext cx="172496" cy="2608962"/>
+          <a:xfrm flipH="1">
+            <a:off x="2949154" y="3989747"/>
+            <a:ext cx="1694854" cy="1239453"/>
           </a:xfrm>
           <a:prstGeom prst="straightConnector1">
             <a:avLst/>
           </a:prstGeom>
-          <a:ln>
+          <a:ln w="38100">
             <a:tailEnd type="arrow"/>
           </a:ln>
         </p:spPr>
@@ -4610,10 +3834,137 @@
           </a:fontRef>
         </p:style>
       </p:cxnSp>
+      <p:sp>
+        <p:nvSpPr>
+          <p:cNvPr id="48" name="テキスト ボックス 47"/>
+          <p:cNvSpPr txBox="1"/>
+          <p:nvPr/>
+        </p:nvSpPr>
+        <p:spPr>
+          <a:xfrm>
+            <a:off x="2048618" y="4424807"/>
+            <a:ext cx="1495922" cy="369332"/>
+          </a:xfrm>
+          <a:prstGeom prst="rect">
+            <a:avLst/>
+          </a:prstGeom>
+          <a:noFill/>
+        </p:spPr>
+        <p:txBody>
+          <a:bodyPr wrap="none" rtlCol="0">
+            <a:spAutoFit/>
+          </a:bodyPr>
+          <a:lstStyle/>
+          <a:p>
+            <a:r>
+              <a:rPr lang="ja-JP" altLang="en-US" dirty="0" smtClean="0"/>
+              <a:t>データの操作</a:t>
+            </a:r>
+            <a:endParaRPr kumimoji="1" lang="ja-JP" altLang="en-US" dirty="0"/>
+          </a:p>
+        </p:txBody>
+      </p:sp>
+      <p:cxnSp>
+        <p:nvCxnSpPr>
+          <p:cNvPr id="49" name="直線矢印コネクタ 48"/>
+          <p:cNvCxnSpPr/>
+          <p:nvPr/>
+        </p:nvCxnSpPr>
+        <p:spPr>
+          <a:xfrm flipV="1">
+            <a:off x="3360454" y="4003678"/>
+            <a:ext cx="1672504" cy="1239452"/>
+          </a:xfrm>
+          <a:prstGeom prst="straightConnector1">
+            <a:avLst/>
+          </a:prstGeom>
+          <a:ln w="38100">
+            <a:tailEnd type="arrow"/>
+          </a:ln>
+        </p:spPr>
+        <p:style>
+          <a:lnRef idx="1">
+            <a:schemeClr val="accent1"/>
+          </a:lnRef>
+          <a:fillRef idx="0">
+            <a:schemeClr val="accent1"/>
+          </a:fillRef>
+          <a:effectRef idx="0">
+            <a:schemeClr val="accent1"/>
+          </a:effectRef>
+          <a:fontRef idx="minor">
+            <a:schemeClr val="tx1"/>
+          </a:fontRef>
+        </p:style>
+      </p:cxnSp>
+      <p:sp>
+        <p:nvSpPr>
+          <p:cNvPr id="54" name="テキスト ボックス 53"/>
+          <p:cNvSpPr txBox="1"/>
+          <p:nvPr/>
+        </p:nvSpPr>
+        <p:spPr>
+          <a:xfrm>
+            <a:off x="4644008" y="4438738"/>
+            <a:ext cx="1452642" cy="369332"/>
+          </a:xfrm>
+          <a:prstGeom prst="rect">
+            <a:avLst/>
+          </a:prstGeom>
+          <a:noFill/>
+        </p:spPr>
+        <p:txBody>
+          <a:bodyPr wrap="none" rtlCol="0">
+            <a:spAutoFit/>
+          </a:bodyPr>
+          <a:lstStyle/>
+          <a:p>
+            <a:r>
+              <a:rPr lang="ja-JP" altLang="en-US" dirty="0"/>
+              <a:t>データ</a:t>
+            </a:r>
+            <a:r>
+              <a:rPr lang="ja-JP" altLang="en-US" dirty="0" smtClean="0"/>
+              <a:t>を渡す</a:t>
+            </a:r>
+            <a:endParaRPr kumimoji="1" lang="ja-JP" altLang="en-US" dirty="0"/>
+          </a:p>
+        </p:txBody>
+      </p:sp>
+      <p:sp>
+        <p:nvSpPr>
+          <p:cNvPr id="56" name="テキスト ボックス 55"/>
+          <p:cNvSpPr txBox="1"/>
+          <p:nvPr/>
+        </p:nvSpPr>
+        <p:spPr>
+          <a:xfrm>
+            <a:off x="3995936" y="1737063"/>
+            <a:ext cx="1107996" cy="369332"/>
+          </a:xfrm>
+          <a:prstGeom prst="rect">
+            <a:avLst/>
+          </a:prstGeom>
+          <a:noFill/>
+        </p:spPr>
+        <p:txBody>
+          <a:bodyPr wrap="none" rtlCol="0">
+            <a:spAutoFit/>
+          </a:bodyPr>
+          <a:lstStyle/>
+          <a:p>
+            <a:r>
+              <a:rPr kumimoji="1" lang="ja-JP" altLang="en-US" dirty="0" smtClean="0"/>
+              <a:t>描画命令</a:t>
+            </a:r>
+            <a:endParaRPr kumimoji="1" lang="ja-JP" altLang="en-US" dirty="0"/>
+          </a:p>
+        </p:txBody>
+      </p:sp>
     </p:spTree>
     <p:extLst>
       <p:ext uri="{BB962C8B-B14F-4D97-AF65-F5344CB8AC3E}">
-        <p14:creationId xmlns:p14="http://schemas.microsoft.com/office/powerpoint/2010/main" val="3242238800"/>
+        <p14:creationId xmlns:p14="http://schemas.microsoft.com/office/powerpoint/2010/main" val="3378113417"/>
       </p:ext>
     </p:extLst>
   </p:cSld>
@@ -4623,7 +3974,7 @@
 </p:sld>
 </file>
 
-<file path=ppt/slides/slide3.xml><?xml version="1.0" encoding="utf-8"?>
+<file path=ppt/slides/slide2.xml><?xml version="1.0" encoding="utf-8"?>
 <p:sld xmlns:a="http://schemas.openxmlformats.org/drawingml/2006/main" xmlns:r="http://schemas.openxmlformats.org/officeDocument/2006/relationships" xmlns:p="http://schemas.openxmlformats.org/presentationml/2006/main">
   <p:cSld>
     <p:spTree>
@@ -4723,15 +4074,7 @@
                   <a:schemeClr val="tx1"/>
                 </a:solidFill>
               </a:rPr>
-              <a:t>■棒リストデータ</a:t>
-            </a:r>
-            <a:r>
-              <a:rPr lang="ja-JP" altLang="en-US" dirty="0" smtClean="0">
-                <a:solidFill>
-                  <a:schemeClr val="tx1"/>
-                </a:solidFill>
-              </a:rPr>
-              <a:t>から棒・円盤の描画</a:t>
+              <a:t>■棒リストデータから棒・円盤の描画</a:t>
             </a:r>
             <a:endParaRPr kumimoji="1" lang="en-US" altLang="ja-JP" dirty="0" smtClean="0">
               <a:solidFill>
@@ -4816,15 +4159,7 @@
                   <a:schemeClr val="tx1"/>
                 </a:solidFill>
               </a:rPr>
-              <a:t>（</a:t>
-            </a:r>
-            <a:r>
-              <a:rPr lang="ja-JP" altLang="en-US" dirty="0" smtClean="0">
-                <a:solidFill>
-                  <a:schemeClr val="tx1"/>
-                </a:solidFill>
-              </a:rPr>
-              <a:t>円盤</a:t>
+              <a:t>（円盤</a:t>
             </a:r>
             <a:r>
               <a:rPr lang="en-US" altLang="ja-JP" dirty="0" smtClean="0">
@@ -4840,15 +4175,7 @@
                   <a:schemeClr val="tx1"/>
                 </a:solidFill>
               </a:rPr>
-              <a:t>情報を含む</a:t>
-            </a:r>
-            <a:r>
-              <a:rPr lang="ja-JP" altLang="en-US" dirty="0" smtClean="0">
-                <a:solidFill>
-                  <a:schemeClr val="tx1"/>
-                </a:solidFill>
-              </a:rPr>
-              <a:t>）</a:t>
+              <a:t>情報を含む）</a:t>
             </a:r>
             <a:endParaRPr lang="en-US" altLang="ja-JP" dirty="0" smtClean="0">
               <a:solidFill>
@@ -4971,15 +4298,7 @@
                   <a:schemeClr val="tx1"/>
                 </a:solidFill>
               </a:rPr>
-              <a:t>■ハノイの塔の常套操作（データ操作メソッド</a:t>
-            </a:r>
-            <a:r>
-              <a:rPr lang="ja-JP" altLang="en-US" dirty="0" smtClean="0">
-                <a:solidFill>
-                  <a:schemeClr val="tx1"/>
-                </a:solidFill>
-              </a:rPr>
-              <a:t>）</a:t>
+              <a:t>■ハノイの塔の常套操作（データ操作メソッド）</a:t>
             </a:r>
             <a:endParaRPr lang="en-US" altLang="ja-JP" dirty="0" smtClean="0">
               <a:solidFill>
